--- a/ctai-compile_time_assembly_interpreter.pptx
+++ b/ctai-compile_time_assembly_interpreter.pptx
@@ -4,6 +4,9 @@
   <p:sldMasterIdLst>
     <p:sldMasterId id="2147483840" r:id="rId1"/>
   </p:sldMasterIdLst>
+  <p:notesMasterIdLst>
+    <p:notesMasterId r:id="rId17"/>
+  </p:notesMasterIdLst>
   <p:sldIdLst>
     <p:sldId id="256" r:id="rId2"/>
     <p:sldId id="257" r:id="rId3"/>
@@ -15,10 +18,11 @@
     <p:sldId id="268" r:id="rId9"/>
     <p:sldId id="269" r:id="rId10"/>
     <p:sldId id="260" r:id="rId11"/>
-    <p:sldId id="261" r:id="rId12"/>
-    <p:sldId id="262" r:id="rId13"/>
-    <p:sldId id="263" r:id="rId14"/>
-    <p:sldId id="264" r:id="rId15"/>
+    <p:sldId id="263" r:id="rId12"/>
+    <p:sldId id="270" r:id="rId13"/>
+    <p:sldId id="272" r:id="rId14"/>
+    <p:sldId id="271" r:id="rId15"/>
+    <p:sldId id="264" r:id="rId16"/>
   </p:sldIdLst>
   <p:sldSz cx="12192000" cy="6858000"/>
   <p:notesSz cx="6858000" cy="9144000"/>
@@ -117,7 +121,365 @@
       </a:defRPr>
     </a:lvl9pPr>
   </p:defaultTextStyle>
+  <p:extLst>
+    <p:ext uri="{EFAFB233-063F-42B5-8137-9DF3F51BA10A}">
+      <p15:sldGuideLst xmlns:p15="http://schemas.microsoft.com/office/powerpoint/2012/main"/>
+    </p:ext>
+  </p:extLst>
 </p:presentation>
+</file>
+
+<file path=ppt/revisionInfo.xml><?xml version="1.0" encoding="utf-8"?>
+<p1510:revInfo xmlns:a="http://schemas.openxmlformats.org/drawingml/2006/main" xmlns:r="http://schemas.openxmlformats.org/officeDocument/2006/relationships" xmlns:p1510="http://schemas.microsoft.com/office/powerpoint/2015/10/main"/>
+</file>
+
+<file path=ppt/notesMasters/notesMaster1.xml><?xml version="1.0" encoding="utf-8"?>
+<p:notesMaster xmlns:a="http://schemas.openxmlformats.org/drawingml/2006/main" xmlns:r="http://schemas.openxmlformats.org/officeDocument/2006/relationships" xmlns:p="http://schemas.openxmlformats.org/presentationml/2006/main">
+  <p:cSld>
+    <p:bg>
+      <p:bgRef idx="1001">
+        <a:schemeClr val="bg1"/>
+      </p:bgRef>
+    </p:bg>
+    <p:spTree>
+      <p:nvGrpSpPr>
+        <p:cNvPr id="1" name=""/>
+        <p:cNvGrpSpPr/>
+        <p:nvPr/>
+      </p:nvGrpSpPr>
+      <p:grpSpPr>
+        <a:xfrm>
+          <a:off x="0" y="0"/>
+          <a:ext cx="0" cy="0"/>
+          <a:chOff x="0" y="0"/>
+          <a:chExt cx="0" cy="0"/>
+        </a:xfrm>
+      </p:grpSpPr>
+      <p:sp>
+        <p:nvSpPr>
+          <p:cNvPr id="2" name="Symbol zastępczy nagłówka 1"/>
+          <p:cNvSpPr>
+            <a:spLocks noGrp="1"/>
+          </p:cNvSpPr>
+          <p:nvPr>
+            <p:ph type="hdr" sz="quarter"/>
+          </p:nvPr>
+        </p:nvSpPr>
+        <p:spPr>
+          <a:xfrm>
+            <a:off x="0" y="0"/>
+            <a:ext cx="2971800" cy="458788"/>
+          </a:xfrm>
+          <a:prstGeom prst="rect">
+            <a:avLst/>
+          </a:prstGeom>
+        </p:spPr>
+        <p:txBody>
+          <a:bodyPr vert="horz" lIns="91440" tIns="45720" rIns="91440" bIns="45720" rtlCol="0"/>
+          <a:lstStyle>
+            <a:lvl1pPr algn="l">
+              <a:defRPr sz="1200"/>
+            </a:lvl1pPr>
+          </a:lstStyle>
+          <a:p>
+            <a:endParaRPr lang="pl-PL"/>
+          </a:p>
+        </p:txBody>
+      </p:sp>
+      <p:sp>
+        <p:nvSpPr>
+          <p:cNvPr id="3" name="Symbol zastępczy daty 2"/>
+          <p:cNvSpPr>
+            <a:spLocks noGrp="1"/>
+          </p:cNvSpPr>
+          <p:nvPr>
+            <p:ph type="dt" idx="1"/>
+          </p:nvPr>
+        </p:nvSpPr>
+        <p:spPr>
+          <a:xfrm>
+            <a:off x="3884613" y="0"/>
+            <a:ext cx="2971800" cy="458788"/>
+          </a:xfrm>
+          <a:prstGeom prst="rect">
+            <a:avLst/>
+          </a:prstGeom>
+        </p:spPr>
+        <p:txBody>
+          <a:bodyPr vert="horz" lIns="91440" tIns="45720" rIns="91440" bIns="45720" rtlCol="0"/>
+          <a:lstStyle>
+            <a:lvl1pPr algn="r">
+              <a:defRPr sz="1200"/>
+            </a:lvl1pPr>
+          </a:lstStyle>
+          <a:p>
+            <a:fld id="{0354D649-3166-4642-8FF1-8704FB462AF1}" type="datetimeFigureOut">
+              <a:rPr lang="pl-PL" smtClean="0"/>
+              <a:t>21.11.2017</a:t>
+            </a:fld>
+            <a:endParaRPr lang="pl-PL"/>
+          </a:p>
+        </p:txBody>
+      </p:sp>
+      <p:sp>
+        <p:nvSpPr>
+          <p:cNvPr id="4" name="Symbol zastępczy obrazu slajdu 3"/>
+          <p:cNvSpPr>
+            <a:spLocks noGrp="1" noRot="1" noChangeAspect="1"/>
+          </p:cNvSpPr>
+          <p:nvPr>
+            <p:ph type="sldImg" idx="2"/>
+          </p:nvPr>
+        </p:nvSpPr>
+        <p:spPr>
+          <a:xfrm>
+            <a:off x="685800" y="1143000"/>
+            <a:ext cx="5486400" cy="3086100"/>
+          </a:xfrm>
+          <a:prstGeom prst="rect">
+            <a:avLst/>
+          </a:prstGeom>
+          <a:noFill/>
+          <a:ln w="12700">
+            <a:solidFill>
+              <a:prstClr val="black"/>
+            </a:solidFill>
+          </a:ln>
+        </p:spPr>
+        <p:txBody>
+          <a:bodyPr vert="horz" lIns="91440" tIns="45720" rIns="91440" bIns="45720" rtlCol="0" anchor="ctr"/>
+          <a:lstStyle/>
+          <a:p>
+            <a:endParaRPr lang="pl-PL"/>
+          </a:p>
+        </p:txBody>
+      </p:sp>
+      <p:sp>
+        <p:nvSpPr>
+          <p:cNvPr id="5" name="Symbol zastępczy notatek 4"/>
+          <p:cNvSpPr>
+            <a:spLocks noGrp="1"/>
+          </p:cNvSpPr>
+          <p:nvPr>
+            <p:ph type="body" sz="quarter" idx="3"/>
+          </p:nvPr>
+        </p:nvSpPr>
+        <p:spPr>
+          <a:xfrm>
+            <a:off x="685800" y="4400550"/>
+            <a:ext cx="5486400" cy="3600450"/>
+          </a:xfrm>
+          <a:prstGeom prst="rect">
+            <a:avLst/>
+          </a:prstGeom>
+        </p:spPr>
+        <p:txBody>
+          <a:bodyPr vert="horz" lIns="91440" tIns="45720" rIns="91440" bIns="45720" rtlCol="0"/>
+          <a:lstStyle/>
+          <a:p>
+            <a:pPr lvl="0"/>
+            <a:r>
+              <a:rPr lang="pl-PL"/>
+              <a:t>Edytuj style wzorca tekstu</a:t>
+            </a:r>
+          </a:p>
+          <a:p>
+            <a:pPr lvl="1"/>
+            <a:r>
+              <a:rPr lang="pl-PL"/>
+              <a:t>Drugi poziom</a:t>
+            </a:r>
+          </a:p>
+          <a:p>
+            <a:pPr lvl="2"/>
+            <a:r>
+              <a:rPr lang="pl-PL"/>
+              <a:t>Trzeci poziom</a:t>
+            </a:r>
+          </a:p>
+          <a:p>
+            <a:pPr lvl="3"/>
+            <a:r>
+              <a:rPr lang="pl-PL"/>
+              <a:t>Czwarty poziom</a:t>
+            </a:r>
+          </a:p>
+          <a:p>
+            <a:pPr lvl="4"/>
+            <a:r>
+              <a:rPr lang="pl-PL"/>
+              <a:t>Piąty poziom</a:t>
+            </a:r>
+          </a:p>
+        </p:txBody>
+      </p:sp>
+      <p:sp>
+        <p:nvSpPr>
+          <p:cNvPr id="6" name="Symbol zastępczy stopki 5"/>
+          <p:cNvSpPr>
+            <a:spLocks noGrp="1"/>
+          </p:cNvSpPr>
+          <p:nvPr>
+            <p:ph type="ftr" sz="quarter" idx="4"/>
+          </p:nvPr>
+        </p:nvSpPr>
+        <p:spPr>
+          <a:xfrm>
+            <a:off x="0" y="8685213"/>
+            <a:ext cx="2971800" cy="458787"/>
+          </a:xfrm>
+          <a:prstGeom prst="rect">
+            <a:avLst/>
+          </a:prstGeom>
+        </p:spPr>
+        <p:txBody>
+          <a:bodyPr vert="horz" lIns="91440" tIns="45720" rIns="91440" bIns="45720" rtlCol="0" anchor="b"/>
+          <a:lstStyle>
+            <a:lvl1pPr algn="l">
+              <a:defRPr sz="1200"/>
+            </a:lvl1pPr>
+          </a:lstStyle>
+          <a:p>
+            <a:endParaRPr lang="pl-PL"/>
+          </a:p>
+        </p:txBody>
+      </p:sp>
+      <p:sp>
+        <p:nvSpPr>
+          <p:cNvPr id="7" name="Symbol zastępczy numeru slajdu 6"/>
+          <p:cNvSpPr>
+            <a:spLocks noGrp="1"/>
+          </p:cNvSpPr>
+          <p:nvPr>
+            <p:ph type="sldNum" sz="quarter" idx="5"/>
+          </p:nvPr>
+        </p:nvSpPr>
+        <p:spPr>
+          <a:xfrm>
+            <a:off x="3884613" y="8685213"/>
+            <a:ext cx="2971800" cy="458787"/>
+          </a:xfrm>
+          <a:prstGeom prst="rect">
+            <a:avLst/>
+          </a:prstGeom>
+        </p:spPr>
+        <p:txBody>
+          <a:bodyPr vert="horz" lIns="91440" tIns="45720" rIns="91440" bIns="45720" rtlCol="0" anchor="b"/>
+          <a:lstStyle>
+            <a:lvl1pPr algn="r">
+              <a:defRPr sz="1200"/>
+            </a:lvl1pPr>
+          </a:lstStyle>
+          <a:p>
+            <a:fld id="{1EDCB2CD-F164-4E55-878F-BB8E52F7891D}" type="slidenum">
+              <a:rPr lang="pl-PL" smtClean="0"/>
+              <a:t>‹#›</a:t>
+            </a:fld>
+            <a:endParaRPr lang="pl-PL"/>
+          </a:p>
+        </p:txBody>
+      </p:sp>
+    </p:spTree>
+    <p:extLst>
+      <p:ext uri="{BB962C8B-B14F-4D97-AF65-F5344CB8AC3E}">
+        <p14:creationId xmlns:p14="http://schemas.microsoft.com/office/powerpoint/2010/main" val="1137004115"/>
+      </p:ext>
+    </p:extLst>
+  </p:cSld>
+  <p:clrMap bg1="lt1" tx1="dk1" bg2="lt2" tx2="dk2" accent1="accent1" accent2="accent2" accent3="accent3" accent4="accent4" accent5="accent5" accent6="accent6" hlink="hlink" folHlink="folHlink"/>
+  <p:notesStyle>
+    <a:lvl1pPr marL="0" algn="l" defTabSz="914400" rtl="0" eaLnBrk="1" latinLnBrk="0" hangingPunct="1">
+      <a:defRPr sz="1200" kern="1200">
+        <a:solidFill>
+          <a:schemeClr val="tx1"/>
+        </a:solidFill>
+        <a:latin typeface="+mn-lt"/>
+        <a:ea typeface="+mn-ea"/>
+        <a:cs typeface="+mn-cs"/>
+      </a:defRPr>
+    </a:lvl1pPr>
+    <a:lvl2pPr marL="457200" algn="l" defTabSz="914400" rtl="0" eaLnBrk="1" latinLnBrk="0" hangingPunct="1">
+      <a:defRPr sz="1200" kern="1200">
+        <a:solidFill>
+          <a:schemeClr val="tx1"/>
+        </a:solidFill>
+        <a:latin typeface="+mn-lt"/>
+        <a:ea typeface="+mn-ea"/>
+        <a:cs typeface="+mn-cs"/>
+      </a:defRPr>
+    </a:lvl2pPr>
+    <a:lvl3pPr marL="914400" algn="l" defTabSz="914400" rtl="0" eaLnBrk="1" latinLnBrk="0" hangingPunct="1">
+      <a:defRPr sz="1200" kern="1200">
+        <a:solidFill>
+          <a:schemeClr val="tx1"/>
+        </a:solidFill>
+        <a:latin typeface="+mn-lt"/>
+        <a:ea typeface="+mn-ea"/>
+        <a:cs typeface="+mn-cs"/>
+      </a:defRPr>
+    </a:lvl3pPr>
+    <a:lvl4pPr marL="1371600" algn="l" defTabSz="914400" rtl="0" eaLnBrk="1" latinLnBrk="0" hangingPunct="1">
+      <a:defRPr sz="1200" kern="1200">
+        <a:solidFill>
+          <a:schemeClr val="tx1"/>
+        </a:solidFill>
+        <a:latin typeface="+mn-lt"/>
+        <a:ea typeface="+mn-ea"/>
+        <a:cs typeface="+mn-cs"/>
+      </a:defRPr>
+    </a:lvl4pPr>
+    <a:lvl5pPr marL="1828800" algn="l" defTabSz="914400" rtl="0" eaLnBrk="1" latinLnBrk="0" hangingPunct="1">
+      <a:defRPr sz="1200" kern="1200">
+        <a:solidFill>
+          <a:schemeClr val="tx1"/>
+        </a:solidFill>
+        <a:latin typeface="+mn-lt"/>
+        <a:ea typeface="+mn-ea"/>
+        <a:cs typeface="+mn-cs"/>
+      </a:defRPr>
+    </a:lvl5pPr>
+    <a:lvl6pPr marL="2286000" algn="l" defTabSz="914400" rtl="0" eaLnBrk="1" latinLnBrk="0" hangingPunct="1">
+      <a:defRPr sz="1200" kern="1200">
+        <a:solidFill>
+          <a:schemeClr val="tx1"/>
+        </a:solidFill>
+        <a:latin typeface="+mn-lt"/>
+        <a:ea typeface="+mn-ea"/>
+        <a:cs typeface="+mn-cs"/>
+      </a:defRPr>
+    </a:lvl6pPr>
+    <a:lvl7pPr marL="2743200" algn="l" defTabSz="914400" rtl="0" eaLnBrk="1" latinLnBrk="0" hangingPunct="1">
+      <a:defRPr sz="1200" kern="1200">
+        <a:solidFill>
+          <a:schemeClr val="tx1"/>
+        </a:solidFill>
+        <a:latin typeface="+mn-lt"/>
+        <a:ea typeface="+mn-ea"/>
+        <a:cs typeface="+mn-cs"/>
+      </a:defRPr>
+    </a:lvl7pPr>
+    <a:lvl8pPr marL="3200400" algn="l" defTabSz="914400" rtl="0" eaLnBrk="1" latinLnBrk="0" hangingPunct="1">
+      <a:defRPr sz="1200" kern="1200">
+        <a:solidFill>
+          <a:schemeClr val="tx1"/>
+        </a:solidFill>
+        <a:latin typeface="+mn-lt"/>
+        <a:ea typeface="+mn-ea"/>
+        <a:cs typeface="+mn-cs"/>
+      </a:defRPr>
+    </a:lvl8pPr>
+    <a:lvl9pPr marL="3657600" algn="l" defTabSz="914400" rtl="0" eaLnBrk="1" latinLnBrk="0" hangingPunct="1">
+      <a:defRPr sz="1200" kern="1200">
+        <a:solidFill>
+          <a:schemeClr val="tx1"/>
+        </a:solidFill>
+        <a:latin typeface="+mn-lt"/>
+        <a:ea typeface="+mn-ea"/>
+        <a:cs typeface="+mn-cs"/>
+      </a:defRPr>
+    </a:lvl9pPr>
+  </p:notesStyle>
+</p:notesMaster>
 </file>
 
 <file path=ppt/slideLayouts/slideLayout1.xml><?xml version="1.0" encoding="utf-8"?>
@@ -306,7 +668,7 @@
             <a:fld id="{8E36636D-D922-432D-A958-524484B5923D}" type="datetimeFigureOut">
               <a:rPr lang="en-US" dirty="0"/>
               <a:pPr/>
-              <a:t>11/15/2017</a:t>
+              <a:t>11/21/2017</a:t>
             </a:fld>
             <a:endParaRPr lang="en-US" dirty="0"/>
           </a:p>
@@ -600,7 +962,7 @@
           <a:p>
             <a:fld id="{48A87A34-81AB-432B-8DAE-1953F412C126}" type="datetimeFigureOut">
               <a:rPr lang="en-US" dirty="0"/>
-              <a:t>11/15/2017</a:t>
+              <a:t>11/21/2017</a:t>
             </a:fld>
             <a:endParaRPr lang="en-US" dirty="0"/>
           </a:p>
@@ -787,7 +1149,7 @@
           <a:p>
             <a:fld id="{48A87A34-81AB-432B-8DAE-1953F412C126}" type="datetimeFigureOut">
               <a:rPr lang="en-US" dirty="0"/>
-              <a:t>11/15/2017</a:t>
+              <a:t>11/21/2017</a:t>
             </a:fld>
             <a:endParaRPr lang="en-US" dirty="0"/>
           </a:p>
@@ -1043,7 +1405,7 @@
           <a:p>
             <a:fld id="{48A87A34-81AB-432B-8DAE-1953F412C126}" type="datetimeFigureOut">
               <a:rPr lang="en-US" dirty="0"/>
-              <a:t>11/15/2017</a:t>
+              <a:t>11/21/2017</a:t>
             </a:fld>
             <a:endParaRPr lang="en-US" dirty="0"/>
           </a:p>
@@ -1462,7 +1824,7 @@
           <a:p>
             <a:fld id="{48A87A34-81AB-432B-8DAE-1953F412C126}" type="datetimeFigureOut">
               <a:rPr lang="en-US" dirty="0"/>
-              <a:t>11/15/2017</a:t>
+              <a:t>11/21/2017</a:t>
             </a:fld>
             <a:endParaRPr lang="en-US" dirty="0"/>
           </a:p>
@@ -1994,7 +2356,7 @@
           <a:p>
             <a:fld id="{48A87A34-81AB-432B-8DAE-1953F412C126}" type="datetimeFigureOut">
               <a:rPr lang="en-US" dirty="0"/>
-              <a:t>11/15/2017</a:t>
+              <a:t>11/21/2017</a:t>
             </a:fld>
             <a:endParaRPr lang="en-US" dirty="0"/>
           </a:p>
@@ -2853,7 +3215,7 @@
           <a:p>
             <a:fld id="{48A87A34-81AB-432B-8DAE-1953F412C126}" type="datetimeFigureOut">
               <a:rPr lang="en-US" dirty="0"/>
-              <a:t>11/15/2017</a:t>
+              <a:t>11/21/2017</a:t>
             </a:fld>
             <a:endParaRPr lang="en-US" dirty="0"/>
           </a:p>
@@ -3019,7 +3381,7 @@
             <a:fld id="{8E36636D-D922-432D-A958-524484B5923D}" type="datetimeFigureOut">
               <a:rPr lang="en-US" dirty="0"/>
               <a:pPr/>
-              <a:t>11/15/2017</a:t>
+              <a:t>11/21/2017</a:t>
             </a:fld>
             <a:endParaRPr lang="en-US" dirty="0"/>
           </a:p>
@@ -3200,7 +3562,7 @@
             <a:fld id="{8E36636D-D922-432D-A958-524484B5923D}" type="datetimeFigureOut">
               <a:rPr lang="en-US" dirty="0"/>
               <a:pPr/>
-              <a:t>11/15/2017</a:t>
+              <a:t>11/21/2017</a:t>
             </a:fld>
             <a:endParaRPr lang="en-US" dirty="0"/>
           </a:p>
@@ -3367,7 +3729,7 @@
             <a:fld id="{8E36636D-D922-432D-A958-524484B5923D}" type="datetimeFigureOut">
               <a:rPr lang="en-US" dirty="0"/>
               <a:pPr/>
-              <a:t>11/15/2017</a:t>
+              <a:t>11/21/2017</a:t>
             </a:fld>
             <a:endParaRPr lang="en-US" dirty="0"/>
           </a:p>
@@ -3608,7 +3970,7 @@
             <a:fld id="{8E36636D-D922-432D-A958-524484B5923D}" type="datetimeFigureOut">
               <a:rPr lang="en-US" dirty="0"/>
               <a:pPr/>
-              <a:t>11/15/2017</a:t>
+              <a:t>11/21/2017</a:t>
             </a:fld>
             <a:endParaRPr lang="en-US" dirty="0"/>
           </a:p>
@@ -3841,7 +4203,7 @@
             <a:fld id="{8E36636D-D922-432D-A958-524484B5923D}" type="datetimeFigureOut">
               <a:rPr lang="en-US" dirty="0"/>
               <a:pPr/>
-              <a:t>11/15/2017</a:t>
+              <a:t>11/21/2017</a:t>
             </a:fld>
             <a:endParaRPr lang="en-US" dirty="0"/>
           </a:p>
@@ -4304,7 +4666,7 @@
             <a:fld id="{8E36636D-D922-432D-A958-524484B5923D}" type="datetimeFigureOut">
               <a:rPr lang="en-US" dirty="0"/>
               <a:pPr/>
-              <a:t>11/15/2017</a:t>
+              <a:t>11/21/2017</a:t>
             </a:fld>
             <a:endParaRPr lang="en-US" dirty="0"/>
           </a:p>
@@ -4419,7 +4781,7 @@
             <a:fld id="{8E36636D-D922-432D-A958-524484B5923D}" type="datetimeFigureOut">
               <a:rPr lang="en-US" dirty="0"/>
               <a:pPr/>
-              <a:t>11/15/2017</a:t>
+              <a:t>11/21/2017</a:t>
             </a:fld>
             <a:endParaRPr lang="en-US" dirty="0"/>
           </a:p>
@@ -4511,7 +4873,7 @@
             <a:fld id="{8E36636D-D922-432D-A958-524484B5923D}" type="datetimeFigureOut">
               <a:rPr lang="en-US" dirty="0"/>
               <a:pPr/>
-              <a:t>11/15/2017</a:t>
+              <a:t>11/21/2017</a:t>
             </a:fld>
             <a:endParaRPr lang="en-US" dirty="0"/>
           </a:p>
@@ -4763,7 +5125,7 @@
             <a:fld id="{8E36636D-D922-432D-A958-524484B5923D}" type="datetimeFigureOut">
               <a:rPr lang="en-US" dirty="0"/>
               <a:pPr/>
-              <a:t>11/15/2017</a:t>
+              <a:t>11/21/2017</a:t>
             </a:fld>
             <a:endParaRPr lang="en-US" dirty="0"/>
           </a:p>
@@ -5060,7 +5422,7 @@
             <a:fld id="{8E36636D-D922-432D-A958-524484B5923D}" type="datetimeFigureOut">
               <a:rPr lang="en-US" dirty="0"/>
               <a:pPr/>
-              <a:t>11/15/2017</a:t>
+              <a:t>11/21/2017</a:t>
             </a:fld>
             <a:endParaRPr lang="en-US" dirty="0"/>
           </a:p>
@@ -5291,7 +5653,7 @@
             <a:fld id="{8E36636D-D922-432D-A958-524484B5923D}" type="datetimeFigureOut">
               <a:rPr lang="en-US" dirty="0"/>
               <a:pPr/>
-              <a:t>11/15/2017</a:t>
+              <a:t>11/21/2017</a:t>
             </a:fld>
             <a:endParaRPr lang="en-US" dirty="0"/>
           </a:p>
@@ -6108,6 +6470,469 @@
           </a:p>
         </p:txBody>
       </p:sp>
+      <p:sp>
+        <p:nvSpPr>
+          <p:cNvPr id="2" name="Prostokąt: zaokrąglone rogi 1">
+            <a:extLst>
+              <a:ext uri="{FF2B5EF4-FFF2-40B4-BE49-F238E27FC236}">
+                <a16:creationId xmlns:a16="http://schemas.microsoft.com/office/drawing/2014/main" id="{3872A3F1-47FB-475E-A489-DD592BC469DF}"/>
+              </a:ext>
+            </a:extLst>
+          </p:cNvPr>
+          <p:cNvSpPr/>
+          <p:nvPr/>
+        </p:nvSpPr>
+        <p:spPr>
+          <a:xfrm>
+            <a:off x="860140" y="1580050"/>
+            <a:ext cx="10461072" cy="4613945"/>
+          </a:xfrm>
+          <a:prstGeom prst="roundRect">
+            <a:avLst/>
+          </a:prstGeom>
+        </p:spPr>
+        <p:style>
+          <a:lnRef idx="2">
+            <a:schemeClr val="accent1">
+              <a:shade val="50000"/>
+            </a:schemeClr>
+          </a:lnRef>
+          <a:fillRef idx="1">
+            <a:schemeClr val="accent1"/>
+          </a:fillRef>
+          <a:effectRef idx="0">
+            <a:schemeClr val="accent1"/>
+          </a:effectRef>
+          <a:fontRef idx="minor">
+            <a:schemeClr val="lt1"/>
+          </a:fontRef>
+        </p:style>
+        <p:txBody>
+          <a:bodyPr rtlCol="0" anchor="ctr"/>
+          <a:lstStyle/>
+          <a:p>
+            <a:pPr algn="ctr"/>
+            <a:endParaRPr lang="pl-PL" dirty="0"/>
+          </a:p>
+        </p:txBody>
+      </p:sp>
+      <p:sp>
+        <p:nvSpPr>
+          <p:cNvPr id="3" name="pole tekstowe 2">
+            <a:extLst>
+              <a:ext uri="{FF2B5EF4-FFF2-40B4-BE49-F238E27FC236}">
+                <a16:creationId xmlns:a16="http://schemas.microsoft.com/office/drawing/2014/main" id="{EAF52FFF-1E18-4224-8E6D-51D7A4015CFE}"/>
+              </a:ext>
+            </a:extLst>
+          </p:cNvPr>
+          <p:cNvSpPr txBox="1"/>
+          <p:nvPr/>
+        </p:nvSpPr>
+        <p:spPr>
+          <a:xfrm>
+            <a:off x="3078759" y="1580050"/>
+            <a:ext cx="2034981" cy="523220"/>
+          </a:xfrm>
+          <a:prstGeom prst="rect">
+            <a:avLst/>
+          </a:prstGeom>
+          <a:noFill/>
+        </p:spPr>
+        <p:txBody>
+          <a:bodyPr wrap="none" rtlCol="0">
+            <a:spAutoFit/>
+          </a:bodyPr>
+          <a:lstStyle/>
+          <a:p>
+            <a:r>
+              <a:rPr lang="pl-PL" sz="2800" b="1" dirty="0">
+                <a:solidFill>
+                  <a:schemeClr val="accent6">
+                    <a:lumMod val="50000"/>
+                  </a:schemeClr>
+                </a:solidFill>
+              </a:rPr>
+              <a:t>MACHINE</a:t>
+            </a:r>
+          </a:p>
+        </p:txBody>
+      </p:sp>
+      <p:sp>
+        <p:nvSpPr>
+          <p:cNvPr id="4" name="Prostokąt 3">
+            <a:extLst>
+              <a:ext uri="{FF2B5EF4-FFF2-40B4-BE49-F238E27FC236}">
+                <a16:creationId xmlns:a16="http://schemas.microsoft.com/office/drawing/2014/main" id="{A1D2E951-7D59-451D-8F16-C344015EF321}"/>
+              </a:ext>
+            </a:extLst>
+          </p:cNvPr>
+          <p:cNvSpPr/>
+          <p:nvPr/>
+        </p:nvSpPr>
+        <p:spPr>
+          <a:xfrm>
+            <a:off x="1510017" y="2442141"/>
+            <a:ext cx="6644081" cy="2927758"/>
+          </a:xfrm>
+          <a:prstGeom prst="rect">
+            <a:avLst/>
+          </a:prstGeom>
+        </p:spPr>
+        <p:style>
+          <a:lnRef idx="2">
+            <a:schemeClr val="accent3">
+              <a:shade val="50000"/>
+            </a:schemeClr>
+          </a:lnRef>
+          <a:fillRef idx="1">
+            <a:schemeClr val="accent3"/>
+          </a:fillRef>
+          <a:effectRef idx="0">
+            <a:schemeClr val="accent3"/>
+          </a:effectRef>
+          <a:fontRef idx="minor">
+            <a:schemeClr val="lt1"/>
+          </a:fontRef>
+        </p:style>
+        <p:txBody>
+          <a:bodyPr rtlCol="0" anchor="ctr"/>
+          <a:lstStyle/>
+          <a:p>
+            <a:pPr algn="ctr"/>
+            <a:endParaRPr lang="pl-PL"/>
+          </a:p>
+        </p:txBody>
+      </p:sp>
+      <p:sp>
+        <p:nvSpPr>
+          <p:cNvPr id="5" name="pole tekstowe 4">
+            <a:extLst>
+              <a:ext uri="{FF2B5EF4-FFF2-40B4-BE49-F238E27FC236}">
+                <a16:creationId xmlns:a16="http://schemas.microsoft.com/office/drawing/2014/main" id="{14DD404E-8F2D-4A86-A2CE-15A5BCC470A3}"/>
+              </a:ext>
+            </a:extLst>
+          </p:cNvPr>
+          <p:cNvSpPr txBox="1"/>
+          <p:nvPr/>
+        </p:nvSpPr>
+        <p:spPr>
+          <a:xfrm>
+            <a:off x="1510017" y="2442141"/>
+            <a:ext cx="753732" cy="369332"/>
+          </a:xfrm>
+          <a:prstGeom prst="rect">
+            <a:avLst/>
+          </a:prstGeom>
+          <a:noFill/>
+        </p:spPr>
+        <p:txBody>
+          <a:bodyPr wrap="none" rtlCol="0">
+            <a:spAutoFit/>
+          </a:bodyPr>
+          <a:lstStyle/>
+          <a:p>
+            <a:r>
+              <a:rPr lang="pl-PL" b="1" dirty="0">
+                <a:solidFill>
+                  <a:schemeClr val="accent6">
+                    <a:lumMod val="50000"/>
+                  </a:schemeClr>
+                </a:solidFill>
+              </a:rPr>
+              <a:t>RAM</a:t>
+            </a:r>
+          </a:p>
+        </p:txBody>
+      </p:sp>
+      <p:sp>
+        <p:nvSpPr>
+          <p:cNvPr id="6" name="Prostokąt 5">
+            <a:extLst>
+              <a:ext uri="{FF2B5EF4-FFF2-40B4-BE49-F238E27FC236}">
+                <a16:creationId xmlns:a16="http://schemas.microsoft.com/office/drawing/2014/main" id="{7539B96D-4ED5-4E8D-97F8-B5C44E553822}"/>
+              </a:ext>
+            </a:extLst>
+          </p:cNvPr>
+          <p:cNvSpPr/>
+          <p:nvPr/>
+        </p:nvSpPr>
+        <p:spPr>
+          <a:xfrm>
+            <a:off x="8338657" y="2442141"/>
+            <a:ext cx="629174" cy="302250"/>
+          </a:xfrm>
+          <a:prstGeom prst="rect">
+            <a:avLst/>
+          </a:prstGeom>
+        </p:spPr>
+        <p:style>
+          <a:lnRef idx="3">
+            <a:schemeClr val="lt1"/>
+          </a:lnRef>
+          <a:fillRef idx="1">
+            <a:schemeClr val="accent2"/>
+          </a:fillRef>
+          <a:effectRef idx="1">
+            <a:schemeClr val="accent2"/>
+          </a:effectRef>
+          <a:fontRef idx="minor">
+            <a:schemeClr val="lt1"/>
+          </a:fontRef>
+        </p:style>
+        <p:txBody>
+          <a:bodyPr rtlCol="0" anchor="ctr"/>
+          <a:lstStyle/>
+          <a:p>
+            <a:pPr algn="ctr"/>
+            <a:r>
+              <a:rPr lang="pl-PL" b="1" dirty="0">
+                <a:solidFill>
+                  <a:schemeClr val="accent6">
+                    <a:lumMod val="50000"/>
+                  </a:schemeClr>
+                </a:solidFill>
+              </a:rPr>
+              <a:t>ZF</a:t>
+            </a:r>
+          </a:p>
+        </p:txBody>
+      </p:sp>
+      <p:sp>
+        <p:nvSpPr>
+          <p:cNvPr id="7" name="Prostokąt 6">
+            <a:extLst>
+              <a:ext uri="{FF2B5EF4-FFF2-40B4-BE49-F238E27FC236}">
+                <a16:creationId xmlns:a16="http://schemas.microsoft.com/office/drawing/2014/main" id="{478F1206-956F-4775-B5B3-1052EA3A330B}"/>
+              </a:ext>
+            </a:extLst>
+          </p:cNvPr>
+          <p:cNvSpPr/>
+          <p:nvPr/>
+        </p:nvSpPr>
+        <p:spPr>
+          <a:xfrm>
+            <a:off x="9227284" y="2442141"/>
+            <a:ext cx="1481533" cy="2927758"/>
+          </a:xfrm>
+          <a:prstGeom prst="rect">
+            <a:avLst/>
+          </a:prstGeom>
+        </p:spPr>
+        <p:style>
+          <a:lnRef idx="2">
+            <a:schemeClr val="accent6">
+              <a:shade val="50000"/>
+            </a:schemeClr>
+          </a:lnRef>
+          <a:fillRef idx="1">
+            <a:schemeClr val="accent6"/>
+          </a:fillRef>
+          <a:effectRef idx="0">
+            <a:schemeClr val="accent6"/>
+          </a:effectRef>
+          <a:fontRef idx="minor">
+            <a:schemeClr val="lt1"/>
+          </a:fontRef>
+        </p:style>
+        <p:txBody>
+          <a:bodyPr rtlCol="0" anchor="ctr"/>
+          <a:lstStyle/>
+          <a:p>
+            <a:pPr algn="ctr"/>
+            <a:endParaRPr lang="pl-PL" dirty="0"/>
+          </a:p>
+        </p:txBody>
+      </p:sp>
+      <p:sp>
+        <p:nvSpPr>
+          <p:cNvPr id="8" name="pole tekstowe 7">
+            <a:extLst>
+              <a:ext uri="{FF2B5EF4-FFF2-40B4-BE49-F238E27FC236}">
+                <a16:creationId xmlns:a16="http://schemas.microsoft.com/office/drawing/2014/main" id="{03E910C5-8B44-4893-8732-780714A511E7}"/>
+              </a:ext>
+            </a:extLst>
+          </p:cNvPr>
+          <p:cNvSpPr txBox="1"/>
+          <p:nvPr/>
+        </p:nvSpPr>
+        <p:spPr>
+          <a:xfrm>
+            <a:off x="9227284" y="2434697"/>
+            <a:ext cx="1523174" cy="2585323"/>
+          </a:xfrm>
+          <a:prstGeom prst="rect">
+            <a:avLst/>
+          </a:prstGeom>
+          <a:noFill/>
+        </p:spPr>
+        <p:txBody>
+          <a:bodyPr wrap="none" rtlCol="0">
+            <a:spAutoFit/>
+          </a:bodyPr>
+          <a:lstStyle/>
+          <a:p>
+            <a:r>
+              <a:rPr lang="pl-PL" b="1" dirty="0">
+                <a:solidFill>
+                  <a:schemeClr val="accent6">
+                    <a:lumMod val="50000"/>
+                  </a:schemeClr>
+                </a:solidFill>
+              </a:rPr>
+              <a:t>REGISTERS</a:t>
+            </a:r>
+          </a:p>
+          <a:p>
+            <a:endParaRPr lang="pl-PL" b="1" dirty="0">
+              <a:solidFill>
+                <a:schemeClr val="accent6">
+                  <a:lumMod val="50000"/>
+                </a:schemeClr>
+              </a:solidFill>
+            </a:endParaRPr>
+          </a:p>
+          <a:p>
+            <a:pPr algn="ctr"/>
+            <a:r>
+              <a:rPr lang="pl-PL" b="1" dirty="0" err="1">
+                <a:solidFill>
+                  <a:schemeClr val="accent6">
+                    <a:lumMod val="50000"/>
+                  </a:schemeClr>
+                </a:solidFill>
+              </a:rPr>
+              <a:t>eax</a:t>
+            </a:r>
+            <a:endParaRPr lang="pl-PL" b="1" dirty="0">
+              <a:solidFill>
+                <a:schemeClr val="accent6">
+                  <a:lumMod val="50000"/>
+                </a:schemeClr>
+              </a:solidFill>
+            </a:endParaRPr>
+          </a:p>
+          <a:p>
+            <a:pPr algn="ctr"/>
+            <a:r>
+              <a:rPr lang="pl-PL" b="1" dirty="0" err="1">
+                <a:solidFill>
+                  <a:schemeClr val="accent6">
+                    <a:lumMod val="50000"/>
+                  </a:schemeClr>
+                </a:solidFill>
+              </a:rPr>
+              <a:t>ebx</a:t>
+            </a:r>
+            <a:endParaRPr lang="pl-PL" b="1" dirty="0">
+              <a:solidFill>
+                <a:schemeClr val="accent6">
+                  <a:lumMod val="50000"/>
+                </a:schemeClr>
+              </a:solidFill>
+            </a:endParaRPr>
+          </a:p>
+          <a:p>
+            <a:pPr algn="ctr"/>
+            <a:r>
+              <a:rPr lang="pl-PL" b="1" dirty="0" err="1">
+                <a:solidFill>
+                  <a:schemeClr val="accent6">
+                    <a:lumMod val="50000"/>
+                  </a:schemeClr>
+                </a:solidFill>
+              </a:rPr>
+              <a:t>ecx</a:t>
+            </a:r>
+            <a:endParaRPr lang="pl-PL" b="1" dirty="0">
+              <a:solidFill>
+                <a:schemeClr val="accent6">
+                  <a:lumMod val="50000"/>
+                </a:schemeClr>
+              </a:solidFill>
+            </a:endParaRPr>
+          </a:p>
+          <a:p>
+            <a:pPr algn="ctr"/>
+            <a:r>
+              <a:rPr lang="pl-PL" b="1" dirty="0" err="1">
+                <a:solidFill>
+                  <a:schemeClr val="accent6">
+                    <a:lumMod val="50000"/>
+                  </a:schemeClr>
+                </a:solidFill>
+              </a:rPr>
+              <a:t>edx</a:t>
+            </a:r>
+            <a:endParaRPr lang="pl-PL" b="1" dirty="0">
+              <a:solidFill>
+                <a:schemeClr val="accent6">
+                  <a:lumMod val="50000"/>
+                </a:schemeClr>
+              </a:solidFill>
+            </a:endParaRPr>
+          </a:p>
+          <a:p>
+            <a:pPr algn="ctr"/>
+            <a:r>
+              <a:rPr lang="pl-PL" b="1" dirty="0" err="1">
+                <a:solidFill>
+                  <a:schemeClr val="accent6">
+                    <a:lumMod val="50000"/>
+                  </a:schemeClr>
+                </a:solidFill>
+              </a:rPr>
+              <a:t>ebp</a:t>
+            </a:r>
+            <a:endParaRPr lang="pl-PL" b="1" dirty="0">
+              <a:solidFill>
+                <a:schemeClr val="accent6">
+                  <a:lumMod val="50000"/>
+                </a:schemeClr>
+              </a:solidFill>
+            </a:endParaRPr>
+          </a:p>
+          <a:p>
+            <a:pPr algn="ctr"/>
+            <a:r>
+              <a:rPr lang="pl-PL" b="1" dirty="0" err="1">
+                <a:solidFill>
+                  <a:schemeClr val="accent6">
+                    <a:lumMod val="50000"/>
+                  </a:schemeClr>
+                </a:solidFill>
+              </a:rPr>
+              <a:t>esp</a:t>
+            </a:r>
+            <a:endParaRPr lang="pl-PL" b="1" dirty="0">
+              <a:solidFill>
+                <a:schemeClr val="accent6">
+                  <a:lumMod val="50000"/>
+                </a:schemeClr>
+              </a:solidFill>
+            </a:endParaRPr>
+          </a:p>
+          <a:p>
+            <a:pPr algn="ctr"/>
+            <a:r>
+              <a:rPr lang="pl-PL" b="1" dirty="0" err="1">
+                <a:solidFill>
+                  <a:schemeClr val="accent6">
+                    <a:lumMod val="50000"/>
+                  </a:schemeClr>
+                </a:solidFill>
+              </a:rPr>
+              <a:t>eip</a:t>
+            </a:r>
+            <a:endParaRPr lang="pl-PL" b="1" dirty="0">
+              <a:solidFill>
+                <a:schemeClr val="accent6">
+                  <a:lumMod val="50000"/>
+                </a:schemeClr>
+              </a:solidFill>
+            </a:endParaRPr>
+          </a:p>
+        </p:txBody>
+      </p:sp>
     </p:spTree>
     <p:extLst>
       <p:ext uri="{BB962C8B-B14F-4D97-AF65-F5344CB8AC3E}">
@@ -6156,16 +6981,18 @@
         </p:nvSpPr>
         <p:spPr/>
         <p:txBody>
-          <a:bodyPr/>
+          <a:bodyPr>
+            <a:normAutofit/>
+          </a:bodyPr>
           <a:lstStyle/>
           <a:p>
             <a:r>
               <a:rPr lang="pl-PL" dirty="0"/>
-              <a:t>Wstawki z </a:t>
+              <a:t>The </a:t>
             </a:r>
             <a:r>
               <a:rPr lang="pl-PL" dirty="0" err="1"/>
-              <a:t>kodzenia</a:t>
+              <a:t>Code</a:t>
             </a:r>
             <a:endParaRPr lang="pl-PL" dirty="0"/>
           </a:p>
@@ -6189,17 +7016,19 @@
         </p:nvSpPr>
         <p:spPr/>
         <p:txBody>
-          <a:bodyPr/>
+          <a:bodyPr>
+            <a:normAutofit/>
+          </a:bodyPr>
           <a:lstStyle/>
           <a:p>
-            <a:endParaRPr lang="pl-PL"/>
+            <a:endParaRPr lang="pl-PL" sz="1700" dirty="0"/>
           </a:p>
         </p:txBody>
       </p:sp>
     </p:spTree>
     <p:extLst>
       <p:ext uri="{BB962C8B-B14F-4D97-AF65-F5344CB8AC3E}">
-        <p14:creationId xmlns:p14="http://schemas.microsoft.com/office/powerpoint/2010/main" val="275860216"/>
+        <p14:creationId xmlns:p14="http://schemas.microsoft.com/office/powerpoint/2010/main" val="2807873422"/>
       </p:ext>
     </p:extLst>
   </p:cSld>
@@ -6249,7 +7078,7 @@
           <a:p>
             <a:r>
               <a:rPr lang="pl-PL" dirty="0"/>
-              <a:t>Podsumowanie</a:t>
+              <a:t>Links</a:t>
             </a:r>
           </a:p>
         </p:txBody>
@@ -6272,17 +7101,171 @@
         </p:nvSpPr>
         <p:spPr/>
         <p:txBody>
-          <a:bodyPr/>
+          <a:bodyPr>
+            <a:normAutofit/>
+          </a:bodyPr>
           <a:lstStyle/>
           <a:p>
-            <a:endParaRPr lang="pl-PL"/>
+            <a:r>
+              <a:rPr lang="pl-PL" sz="1700" dirty="0" err="1"/>
+              <a:t>decltype</a:t>
+            </a:r>
+            <a:r>
+              <a:rPr lang="pl-PL" sz="1700" dirty="0"/>
+              <a:t>(auto) - </a:t>
+            </a:r>
+            <a:r>
+              <a:rPr lang="pl-PL" sz="1700" dirty="0">
+                <a:hlinkClick r:id="rId2"/>
+              </a:rPr>
+              <a:t>https://stackoverflow.com/a/24109800/4175394</a:t>
+            </a:r>
+            <a:endParaRPr lang="pl-PL" sz="1700" dirty="0"/>
+          </a:p>
+          <a:p>
+            <a:r>
+              <a:rPr lang="pl-PL" sz="1700" dirty="0" err="1"/>
+              <a:t>user</a:t>
+            </a:r>
+            <a:r>
+              <a:rPr lang="pl-PL" sz="1700" dirty="0"/>
+              <a:t> </a:t>
+            </a:r>
+            <a:r>
+              <a:rPr lang="pl-PL" sz="1700" dirty="0" err="1"/>
+              <a:t>defined</a:t>
+            </a:r>
+            <a:r>
+              <a:rPr lang="pl-PL" sz="1700" dirty="0"/>
+              <a:t> </a:t>
+            </a:r>
+            <a:r>
+              <a:rPr lang="pl-PL" sz="1700" dirty="0" err="1"/>
+              <a:t>literals</a:t>
+            </a:r>
+            <a:r>
+              <a:rPr lang="pl-PL" sz="1700" dirty="0"/>
+              <a:t> - </a:t>
+            </a:r>
+            <a:r>
+              <a:rPr lang="pl-PL" sz="1700" dirty="0">
+                <a:hlinkClick r:id="rId3"/>
+              </a:rPr>
+              <a:t>http://en.cppreference.com/w/cpp/language/user_literal</a:t>
+            </a:r>
+            <a:endParaRPr lang="pl-PL" sz="1700" dirty="0"/>
+          </a:p>
+          <a:p>
+            <a:r>
+              <a:rPr lang="pl-PL" sz="1700" dirty="0" err="1"/>
+              <a:t>deduction</a:t>
+            </a:r>
+            <a:r>
+              <a:rPr lang="pl-PL" sz="1700" dirty="0"/>
+              <a:t> </a:t>
+            </a:r>
+            <a:r>
+              <a:rPr lang="pl-PL" sz="1700" dirty="0" err="1"/>
+              <a:t>guides</a:t>
+            </a:r>
+            <a:r>
+              <a:rPr lang="pl-PL" sz="1700" dirty="0"/>
+              <a:t> - </a:t>
+            </a:r>
+            <a:r>
+              <a:rPr lang="pl-PL" sz="1700" dirty="0">
+                <a:hlinkClick r:id="rId4"/>
+              </a:rPr>
+              <a:t>http://en.cppreference.com/w/cpp/language/class_template_argument_deduction</a:t>
+            </a:r>
+            <a:endParaRPr lang="pl-PL" sz="1700" dirty="0"/>
+          </a:p>
+          <a:p>
+            <a:r>
+              <a:rPr lang="pl-PL" sz="1700" dirty="0" err="1"/>
+              <a:t>two-phase</a:t>
+            </a:r>
+            <a:r>
+              <a:rPr lang="pl-PL" sz="1700" dirty="0"/>
+              <a:t> </a:t>
+            </a:r>
+            <a:r>
+              <a:rPr lang="pl-PL" sz="1700" dirty="0" err="1"/>
+              <a:t>lookup</a:t>
+            </a:r>
+            <a:r>
+              <a:rPr lang="pl-PL" sz="1700" dirty="0"/>
+              <a:t> - </a:t>
+            </a:r>
+            <a:r>
+              <a:rPr lang="pl-PL" sz="1700" dirty="0">
+                <a:hlinkClick r:id="rId5"/>
+              </a:rPr>
+              <a:t>http://blog.llvm.org/2009/12/dreaded-two-phase-name-lookup.html</a:t>
+            </a:r>
+            <a:endParaRPr lang="pl-PL" sz="1700" dirty="0"/>
+          </a:p>
+          <a:p>
+            <a:r>
+              <a:rPr lang="pl-PL" sz="1700" dirty="0" err="1"/>
+              <a:t>if</a:t>
+            </a:r>
+            <a:r>
+              <a:rPr lang="pl-PL" sz="1700" dirty="0"/>
+              <a:t> with </a:t>
+            </a:r>
+            <a:r>
+              <a:rPr lang="pl-PL" sz="1700" dirty="0" err="1"/>
+              <a:t>initializer</a:t>
+            </a:r>
+            <a:r>
+              <a:rPr lang="pl-PL" sz="1700" dirty="0"/>
+              <a:t> - </a:t>
+            </a:r>
+            <a:r>
+              <a:rPr lang="pl-PL" sz="1700" dirty="0">
+                <a:hlinkClick r:id="rId6"/>
+              </a:rPr>
+              <a:t>https://skebanga.github.io/if-with-initializer/</a:t>
+            </a:r>
+            <a:endParaRPr lang="pl-PL" sz="1700" dirty="0"/>
+          </a:p>
+          <a:p>
+            <a:r>
+              <a:rPr lang="pl-PL" sz="1700" dirty="0"/>
+              <a:t>… and </a:t>
+            </a:r>
+            <a:r>
+              <a:rPr lang="pl-PL" sz="1700" dirty="0" err="1"/>
+              <a:t>more</a:t>
+            </a:r>
+            <a:r>
+              <a:rPr lang="pl-PL" sz="1700" dirty="0"/>
+              <a:t>. </a:t>
+            </a:r>
+            <a:r>
+              <a:rPr lang="pl-PL" sz="1700" dirty="0" err="1"/>
+              <a:t>Check</a:t>
+            </a:r>
+            <a:r>
+              <a:rPr lang="pl-PL" sz="1700" dirty="0"/>
+              <a:t> the </a:t>
+            </a:r>
+            <a:r>
+              <a:rPr lang="pl-PL" sz="1700" dirty="0" err="1"/>
+              <a:t>code</a:t>
+            </a:r>
+            <a:r>
+              <a:rPr lang="pl-PL" sz="1700" dirty="0"/>
+              <a:t> (:</a:t>
+            </a:r>
           </a:p>
         </p:txBody>
       </p:sp>
     </p:spTree>
     <p:extLst>
       <p:ext uri="{BB962C8B-B14F-4D97-AF65-F5344CB8AC3E}">
-        <p14:creationId xmlns:p14="http://schemas.microsoft.com/office/powerpoint/2010/main" val="74782079"/>
+        <p14:creationId xmlns:p14="http://schemas.microsoft.com/office/powerpoint/2010/main" val="2805415959"/>
       </p:ext>
     </p:extLst>
   </p:cSld>
@@ -6331,9 +7314,10 @@
           <a:lstStyle/>
           <a:p>
             <a:r>
-              <a:rPr lang="pl-PL" dirty="0"/>
-              <a:t>Linki</a:t>
-            </a:r>
+              <a:rPr lang="pl-PL" dirty="0" err="1"/>
+              <a:t>Questions</a:t>
+            </a:r>
+            <a:endParaRPr lang="pl-PL" dirty="0"/>
           </a:p>
         </p:txBody>
       </p:sp>
@@ -6355,17 +7339,19 @@
         </p:nvSpPr>
         <p:spPr/>
         <p:txBody>
-          <a:bodyPr/>
+          <a:bodyPr>
+            <a:normAutofit/>
+          </a:bodyPr>
           <a:lstStyle/>
           <a:p>
-            <a:endParaRPr lang="pl-PL"/>
+            <a:endParaRPr lang="pl-PL" sz="1700" dirty="0"/>
           </a:p>
         </p:txBody>
       </p:sp>
     </p:spTree>
     <p:extLst>
       <p:ext uri="{BB962C8B-B14F-4D97-AF65-F5344CB8AC3E}">
-        <p14:creationId xmlns:p14="http://schemas.microsoft.com/office/powerpoint/2010/main" val="2807873422"/>
+        <p14:creationId xmlns:p14="http://schemas.microsoft.com/office/powerpoint/2010/main" val="3330681429"/>
       </p:ext>
     </p:extLst>
   </p:cSld>
@@ -6376,6 +7362,130 @@
 </file>
 
 <file path=ppt/slides/slide14.xml><?xml version="1.0" encoding="utf-8"?>
+<p:sld xmlns:a="http://schemas.openxmlformats.org/drawingml/2006/main" xmlns:r="http://schemas.openxmlformats.org/officeDocument/2006/relationships" xmlns:p="http://schemas.openxmlformats.org/presentationml/2006/main">
+  <p:cSld>
+    <p:spTree>
+      <p:nvGrpSpPr>
+        <p:cNvPr id="1" name=""/>
+        <p:cNvGrpSpPr/>
+        <p:nvPr/>
+      </p:nvGrpSpPr>
+      <p:grpSpPr>
+        <a:xfrm>
+          <a:off x="0" y="0"/>
+          <a:ext cx="0" cy="0"/>
+          <a:chOff x="0" y="0"/>
+          <a:chExt cx="0" cy="0"/>
+        </a:xfrm>
+      </p:grpSpPr>
+      <p:sp>
+        <p:nvSpPr>
+          <p:cNvPr id="2" name="Tytuł 1">
+            <a:extLst>
+              <a:ext uri="{FF2B5EF4-FFF2-40B4-BE49-F238E27FC236}">
+                <a16:creationId xmlns:a16="http://schemas.microsoft.com/office/drawing/2014/main" id="{191A7FB7-D064-484C-B293-DDB980CE7B25}"/>
+              </a:ext>
+            </a:extLst>
+          </p:cNvPr>
+          <p:cNvSpPr>
+            <a:spLocks noGrp="1"/>
+          </p:cNvSpPr>
+          <p:nvPr>
+            <p:ph type="title"/>
+          </p:nvPr>
+        </p:nvSpPr>
+        <p:spPr/>
+        <p:txBody>
+          <a:bodyPr/>
+          <a:lstStyle/>
+          <a:p>
+            <a:r>
+              <a:rPr lang="pl-PL" dirty="0" err="1"/>
+              <a:t>Code</a:t>
+            </a:r>
+            <a:r>
+              <a:rPr lang="pl-PL" dirty="0"/>
+              <a:t> &amp; </a:t>
+            </a:r>
+            <a:r>
+              <a:rPr lang="pl-PL" dirty="0" err="1"/>
+              <a:t>presentation</a:t>
+            </a:r>
+            <a:endParaRPr lang="pl-PL" dirty="0"/>
+          </a:p>
+        </p:txBody>
+      </p:sp>
+      <p:sp>
+        <p:nvSpPr>
+          <p:cNvPr id="3" name="Symbol zastępczy zawartości 2">
+            <a:extLst>
+              <a:ext uri="{FF2B5EF4-FFF2-40B4-BE49-F238E27FC236}">
+                <a16:creationId xmlns:a16="http://schemas.microsoft.com/office/drawing/2014/main" id="{5EB3629E-E69D-43D5-8312-9B6DF3F264E5}"/>
+              </a:ext>
+            </a:extLst>
+          </p:cNvPr>
+          <p:cNvSpPr>
+            <a:spLocks noGrp="1"/>
+          </p:cNvSpPr>
+          <p:nvPr>
+            <p:ph idx="1"/>
+          </p:nvPr>
+        </p:nvSpPr>
+        <p:spPr>
+          <a:xfrm>
+            <a:off x="913795" y="1732449"/>
+            <a:ext cx="10353762" cy="4058751"/>
+          </a:xfrm>
+        </p:spPr>
+        <p:txBody>
+          <a:bodyPr>
+            <a:normAutofit/>
+          </a:bodyPr>
+          <a:lstStyle/>
+          <a:p>
+            <a:pPr marL="36900" indent="0" algn="ctr">
+              <a:buNone/>
+            </a:pPr>
+            <a:endParaRPr lang="pl-PL" sz="2800" dirty="0">
+              <a:hlinkClick r:id="rId2"/>
+            </a:endParaRPr>
+          </a:p>
+          <a:p>
+            <a:pPr marL="36900" indent="0" algn="ctr">
+              <a:buNone/>
+            </a:pPr>
+            <a:endParaRPr lang="pl-PL" sz="2800" dirty="0">
+              <a:hlinkClick r:id="rId2"/>
+            </a:endParaRPr>
+          </a:p>
+          <a:p>
+            <a:pPr marL="36900" indent="0" algn="ctr">
+              <a:buNone/>
+            </a:pPr>
+            <a:r>
+              <a:rPr lang="pl-PL" sz="2800" dirty="0">
+                <a:hlinkClick r:id="rId2"/>
+              </a:rPr>
+              <a:t>https://github.com/stryku/workshops/tree/master/ctai_wro_cpp</a:t>
+            </a:r>
+            <a:endParaRPr lang="pl-PL" sz="2800" dirty="0"/>
+          </a:p>
+        </p:txBody>
+      </p:sp>
+    </p:spTree>
+    <p:extLst>
+      <p:ext uri="{BB962C8B-B14F-4D97-AF65-F5344CB8AC3E}">
+        <p14:creationId xmlns:p14="http://schemas.microsoft.com/office/powerpoint/2010/main" val="568904150"/>
+      </p:ext>
+    </p:extLst>
+  </p:cSld>
+  <p:clrMapOvr>
+    <a:masterClrMapping/>
+  </p:clrMapOvr>
+</p:sld>
+</file>
+
+<file path=ppt/slides/slide15.xml><?xml version="1.0" encoding="utf-8"?>
 <p:sld xmlns:a="http://schemas.openxmlformats.org/drawingml/2006/main" xmlns:r="http://schemas.openxmlformats.org/officeDocument/2006/relationships" xmlns:p="http://schemas.openxmlformats.org/presentationml/2006/main">
   <p:cSld>
     <p:spTree>
@@ -6561,7 +7671,7 @@
           <a:p>
             <a:r>
               <a:rPr lang="pl-PL" dirty="0" err="1"/>
-              <a:t>Flow</a:t>
+              <a:t>Steps</a:t>
             </a:r>
             <a:endParaRPr lang="pl-PL" dirty="0"/>
           </a:p>
@@ -6820,7 +7930,7 @@
           <a:p>
             <a:r>
               <a:rPr lang="pl-PL" dirty="0" err="1"/>
-              <a:t>Flow</a:t>
+              <a:t>Steps</a:t>
             </a:r>
             <a:endParaRPr lang="pl-PL" dirty="0"/>
           </a:p>
@@ -6903,12 +8013,8 @@
           <a:lstStyle/>
           <a:p>
             <a:r>
-              <a:rPr lang="pl-PL" dirty="0" err="1"/>
-              <a:t>Flow</a:t>
-            </a:r>
-            <a:r>
               <a:rPr lang="pl-PL" dirty="0"/>
-              <a:t> – Step 1: </a:t>
+              <a:t>Step 1: </a:t>
             </a:r>
             <a:r>
               <a:rPr lang="pl-PL" dirty="0" err="1"/>
@@ -7002,12 +8108,8 @@
           <a:lstStyle/>
           <a:p>
             <a:r>
-              <a:rPr lang="pl-PL" dirty="0" err="1"/>
-              <a:t>Flow</a:t>
-            </a:r>
-            <a:r>
               <a:rPr lang="pl-PL" dirty="0"/>
-              <a:t> – Step 2: </a:t>
+              <a:t>Step 2: </a:t>
             </a:r>
             <a:r>
               <a:rPr lang="pl-PL" dirty="0" err="1"/>
@@ -7136,12 +8238,8 @@
           <a:lstStyle/>
           <a:p>
             <a:r>
-              <a:rPr lang="pl-PL" dirty="0" err="1"/>
-              <a:t>Flow</a:t>
-            </a:r>
-            <a:r>
               <a:rPr lang="pl-PL" dirty="0"/>
-              <a:t> – Step 3: </a:t>
+              <a:t>Step 3: </a:t>
             </a:r>
             <a:r>
               <a:rPr lang="pl-PL" dirty="0" err="1"/>
@@ -7300,12 +8398,8 @@
           <a:lstStyle/>
           <a:p>
             <a:r>
-              <a:rPr lang="pl-PL" dirty="0" err="1"/>
-              <a:t>Flow</a:t>
-            </a:r>
-            <a:r>
               <a:rPr lang="pl-PL" dirty="0"/>
-              <a:t> – Step 4: </a:t>
+              <a:t>Step 4: </a:t>
             </a:r>
             <a:r>
               <a:rPr lang="pl-PL" dirty="0" err="1"/>
@@ -7499,12 +8593,8 @@
           <a:lstStyle/>
           <a:p>
             <a:r>
-              <a:rPr lang="pl-PL" dirty="0" err="1"/>
-              <a:t>Flow</a:t>
-            </a:r>
-            <a:r>
               <a:rPr lang="pl-PL" dirty="0"/>
-              <a:t> – Step 5: </a:t>
+              <a:t>Step 5: </a:t>
             </a:r>
             <a:r>
               <a:rPr lang="pl-PL" dirty="0" err="1"/>
@@ -8553,4 +9643,299 @@
     </a:ext>
   </a:extLst>
 </a:theme>
+</file>
+
+<file path=ppt/theme/theme2.xml><?xml version="1.0" encoding="utf-8"?>
+<a:theme xmlns:a="http://schemas.openxmlformats.org/drawingml/2006/main" name="Motyw pakietu Office">
+  <a:themeElements>
+    <a:clrScheme name="Pakiet Office">
+      <a:dk1>
+        <a:sysClr val="windowText" lastClr="000000"/>
+      </a:dk1>
+      <a:lt1>
+        <a:sysClr val="window" lastClr="FFFFFF"/>
+      </a:lt1>
+      <a:dk2>
+        <a:srgbClr val="44546A"/>
+      </a:dk2>
+      <a:lt2>
+        <a:srgbClr val="E7E6E6"/>
+      </a:lt2>
+      <a:accent1>
+        <a:srgbClr val="4472C4"/>
+      </a:accent1>
+      <a:accent2>
+        <a:srgbClr val="ED7D31"/>
+      </a:accent2>
+      <a:accent3>
+        <a:srgbClr val="A5A5A5"/>
+      </a:accent3>
+      <a:accent4>
+        <a:srgbClr val="FFC000"/>
+      </a:accent4>
+      <a:accent5>
+        <a:srgbClr val="5B9BD5"/>
+      </a:accent5>
+      <a:accent6>
+        <a:srgbClr val="70AD47"/>
+      </a:accent6>
+      <a:hlink>
+        <a:srgbClr val="0563C1"/>
+      </a:hlink>
+      <a:folHlink>
+        <a:srgbClr val="954F72"/>
+      </a:folHlink>
+    </a:clrScheme>
+    <a:fontScheme name="Pakiet Office">
+      <a:majorFont>
+        <a:latin typeface="Calibri Light" panose="020F0302020204030204"/>
+        <a:ea typeface=""/>
+        <a:cs typeface=""/>
+        <a:font script="Jpan" typeface="游ゴシック Light"/>
+        <a:font script="Hang" typeface="맑은 고딕"/>
+        <a:font script="Hans" typeface="等线 Light"/>
+        <a:font script="Hant" typeface="新細明體"/>
+        <a:font script="Arab" typeface="Times New Roman"/>
+        <a:font script="Hebr" typeface="Times New Roman"/>
+        <a:font script="Thai" typeface="Angsana New"/>
+        <a:font script="Ethi" typeface="Nyala"/>
+        <a:font script="Beng" typeface="Vrinda"/>
+        <a:font script="Gujr" typeface="Shruti"/>
+        <a:font script="Khmr" typeface="MoolBoran"/>
+        <a:font script="Knda" typeface="Tunga"/>
+        <a:font script="Guru" typeface="Raavi"/>
+        <a:font script="Cans" typeface="Euphemia"/>
+        <a:font script="Cher" typeface="Plantagenet Cherokee"/>
+        <a:font script="Yiii" typeface="Microsoft Yi Baiti"/>
+        <a:font script="Tibt" typeface="Microsoft Himalaya"/>
+        <a:font script="Thaa" typeface="MV Boli"/>
+        <a:font script="Deva" typeface="Mangal"/>
+        <a:font script="Telu" typeface="Gautami"/>
+        <a:font script="Taml" typeface="Latha"/>
+        <a:font script="Syrc" typeface="Estrangelo Edessa"/>
+        <a:font script="Orya" typeface="Kalinga"/>
+        <a:font script="Mlym" typeface="Kartika"/>
+        <a:font script="Laoo" typeface="DokChampa"/>
+        <a:font script="Sinh" typeface="Iskoola Pota"/>
+        <a:font script="Mong" typeface="Mongolian Baiti"/>
+        <a:font script="Viet" typeface="Times New Roman"/>
+        <a:font script="Uigh" typeface="Microsoft Uighur"/>
+        <a:font script="Geor" typeface="Sylfaen"/>
+        <a:font script="Armn" typeface="Arial"/>
+        <a:font script="Bugi" typeface="Leelawadee UI"/>
+        <a:font script="Bopo" typeface="Microsoft JhengHei"/>
+        <a:font script="Java" typeface="Javanese Text"/>
+        <a:font script="Lisu" typeface="Segoe UI"/>
+        <a:font script="Mymr" typeface="Myanmar Text"/>
+        <a:font script="Nkoo" typeface="Ebrima"/>
+        <a:font script="Olck" typeface="Nirmala UI"/>
+        <a:font script="Osma" typeface="Ebrima"/>
+        <a:font script="Phag" typeface="Phagspa"/>
+        <a:font script="Syrn" typeface="Estrangelo Edessa"/>
+        <a:font script="Syrj" typeface="Estrangelo Edessa"/>
+        <a:font script="Syre" typeface="Estrangelo Edessa"/>
+        <a:font script="Sora" typeface="Nirmala UI"/>
+        <a:font script="Tale" typeface="Microsoft Tai Le"/>
+        <a:font script="Talu" typeface="Microsoft New Tai Lue"/>
+        <a:font script="Tfng" typeface="Ebrima"/>
+      </a:majorFont>
+      <a:minorFont>
+        <a:latin typeface="Calibri" panose="020F0502020204030204"/>
+        <a:ea typeface=""/>
+        <a:cs typeface=""/>
+        <a:font script="Jpan" typeface="游ゴシック"/>
+        <a:font script="Hang" typeface="맑은 고딕"/>
+        <a:font script="Hans" typeface="等线"/>
+        <a:font script="Hant" typeface="新細明體"/>
+        <a:font script="Arab" typeface="Arial"/>
+        <a:font script="Hebr" typeface="Arial"/>
+        <a:font script="Thai" typeface="Cordia New"/>
+        <a:font script="Ethi" typeface="Nyala"/>
+        <a:font script="Beng" typeface="Vrinda"/>
+        <a:font script="Gujr" typeface="Shruti"/>
+        <a:font script="Khmr" typeface="DaunPenh"/>
+        <a:font script="Knda" typeface="Tunga"/>
+        <a:font script="Guru" typeface="Raavi"/>
+        <a:font script="Cans" typeface="Euphemia"/>
+        <a:font script="Cher" typeface="Plantagenet Cherokee"/>
+        <a:font script="Yiii" typeface="Microsoft Yi Baiti"/>
+        <a:font script="Tibt" typeface="Microsoft Himalaya"/>
+        <a:font script="Thaa" typeface="MV Boli"/>
+        <a:font script="Deva" typeface="Mangal"/>
+        <a:font script="Telu" typeface="Gautami"/>
+        <a:font script="Taml" typeface="Latha"/>
+        <a:font script="Syrc" typeface="Estrangelo Edessa"/>
+        <a:font script="Orya" typeface="Kalinga"/>
+        <a:font script="Mlym" typeface="Kartika"/>
+        <a:font script="Laoo" typeface="DokChampa"/>
+        <a:font script="Sinh" typeface="Iskoola Pota"/>
+        <a:font script="Mong" typeface="Mongolian Baiti"/>
+        <a:font script="Viet" typeface="Arial"/>
+        <a:font script="Uigh" typeface="Microsoft Uighur"/>
+        <a:font script="Geor" typeface="Sylfaen"/>
+        <a:font script="Armn" typeface="Arial"/>
+        <a:font script="Bugi" typeface="Leelawadee UI"/>
+        <a:font script="Bopo" typeface="Microsoft JhengHei"/>
+        <a:font script="Java" typeface="Javanese Text"/>
+        <a:font script="Lisu" typeface="Segoe UI"/>
+        <a:font script="Mymr" typeface="Myanmar Text"/>
+        <a:font script="Nkoo" typeface="Ebrima"/>
+        <a:font script="Olck" typeface="Nirmala UI"/>
+        <a:font script="Osma" typeface="Ebrima"/>
+        <a:font script="Phag" typeface="Phagspa"/>
+        <a:font script="Syrn" typeface="Estrangelo Edessa"/>
+        <a:font script="Syrj" typeface="Estrangelo Edessa"/>
+        <a:font script="Syre" typeface="Estrangelo Edessa"/>
+        <a:font script="Sora" typeface="Nirmala UI"/>
+        <a:font script="Tale" typeface="Microsoft Tai Le"/>
+        <a:font script="Talu" typeface="Microsoft New Tai Lue"/>
+        <a:font script="Tfng" typeface="Ebrima"/>
+      </a:minorFont>
+    </a:fontScheme>
+    <a:fmtScheme name="Pakiet Office">
+      <a:fillStyleLst>
+        <a:solidFill>
+          <a:schemeClr val="phClr"/>
+        </a:solidFill>
+        <a:gradFill rotWithShape="1">
+          <a:gsLst>
+            <a:gs pos="0">
+              <a:schemeClr val="phClr">
+                <a:lumMod val="110000"/>
+                <a:satMod val="105000"/>
+                <a:tint val="67000"/>
+              </a:schemeClr>
+            </a:gs>
+            <a:gs pos="50000">
+              <a:schemeClr val="phClr">
+                <a:lumMod val="105000"/>
+                <a:satMod val="103000"/>
+                <a:tint val="73000"/>
+              </a:schemeClr>
+            </a:gs>
+            <a:gs pos="100000">
+              <a:schemeClr val="phClr">
+                <a:lumMod val="105000"/>
+                <a:satMod val="109000"/>
+                <a:tint val="81000"/>
+              </a:schemeClr>
+            </a:gs>
+          </a:gsLst>
+          <a:lin ang="5400000" scaled="0"/>
+        </a:gradFill>
+        <a:gradFill rotWithShape="1">
+          <a:gsLst>
+            <a:gs pos="0">
+              <a:schemeClr val="phClr">
+                <a:satMod val="103000"/>
+                <a:lumMod val="102000"/>
+                <a:tint val="94000"/>
+              </a:schemeClr>
+            </a:gs>
+            <a:gs pos="50000">
+              <a:schemeClr val="phClr">
+                <a:satMod val="110000"/>
+                <a:lumMod val="100000"/>
+                <a:shade val="100000"/>
+              </a:schemeClr>
+            </a:gs>
+            <a:gs pos="100000">
+              <a:schemeClr val="phClr">
+                <a:lumMod val="99000"/>
+                <a:satMod val="120000"/>
+                <a:shade val="78000"/>
+              </a:schemeClr>
+            </a:gs>
+          </a:gsLst>
+          <a:lin ang="5400000" scaled="0"/>
+        </a:gradFill>
+      </a:fillStyleLst>
+      <a:lnStyleLst>
+        <a:ln w="6350" cap="flat" cmpd="sng" algn="ctr">
+          <a:solidFill>
+            <a:schemeClr val="phClr"/>
+          </a:solidFill>
+          <a:prstDash val="solid"/>
+          <a:miter lim="800000"/>
+        </a:ln>
+        <a:ln w="12700" cap="flat" cmpd="sng" algn="ctr">
+          <a:solidFill>
+            <a:schemeClr val="phClr"/>
+          </a:solidFill>
+          <a:prstDash val="solid"/>
+          <a:miter lim="800000"/>
+        </a:ln>
+        <a:ln w="19050" cap="flat" cmpd="sng" algn="ctr">
+          <a:solidFill>
+            <a:schemeClr val="phClr"/>
+          </a:solidFill>
+          <a:prstDash val="solid"/>
+          <a:miter lim="800000"/>
+        </a:ln>
+      </a:lnStyleLst>
+      <a:effectStyleLst>
+        <a:effectStyle>
+          <a:effectLst/>
+        </a:effectStyle>
+        <a:effectStyle>
+          <a:effectLst/>
+        </a:effectStyle>
+        <a:effectStyle>
+          <a:effectLst>
+            <a:outerShdw blurRad="57150" dist="19050" dir="5400000" algn="ctr" rotWithShape="0">
+              <a:srgbClr val="000000">
+                <a:alpha val="63000"/>
+              </a:srgbClr>
+            </a:outerShdw>
+          </a:effectLst>
+        </a:effectStyle>
+      </a:effectStyleLst>
+      <a:bgFillStyleLst>
+        <a:solidFill>
+          <a:schemeClr val="phClr"/>
+        </a:solidFill>
+        <a:solidFill>
+          <a:schemeClr val="phClr">
+            <a:tint val="95000"/>
+            <a:satMod val="170000"/>
+          </a:schemeClr>
+        </a:solidFill>
+        <a:gradFill rotWithShape="1">
+          <a:gsLst>
+            <a:gs pos="0">
+              <a:schemeClr val="phClr">
+                <a:tint val="93000"/>
+                <a:satMod val="150000"/>
+                <a:shade val="98000"/>
+                <a:lumMod val="102000"/>
+              </a:schemeClr>
+            </a:gs>
+            <a:gs pos="50000">
+              <a:schemeClr val="phClr">
+                <a:tint val="98000"/>
+                <a:satMod val="130000"/>
+                <a:shade val="90000"/>
+                <a:lumMod val="103000"/>
+              </a:schemeClr>
+            </a:gs>
+            <a:gs pos="100000">
+              <a:schemeClr val="phClr">
+                <a:shade val="63000"/>
+                <a:satMod val="120000"/>
+              </a:schemeClr>
+            </a:gs>
+          </a:gsLst>
+          <a:lin ang="5400000" scaled="0"/>
+        </a:gradFill>
+      </a:bgFillStyleLst>
+    </a:fmtScheme>
+  </a:themeElements>
+  <a:objectDefaults/>
+  <a:extraClrSchemeLst/>
+  <a:extLst>
+    <a:ext uri="{05A4C25C-085E-4340-85A3-A5531E510DB2}">
+      <thm15:themeFamily xmlns:thm15="http://schemas.microsoft.com/office/thememl/2012/main" name="Office Theme" id="{62F939B6-93AF-4DB8-9C6B-D6C7DFDC589F}" vid="{4A3C46E8-61CC-4603-A589-7422A47A8E4A}"/>
+    </a:ext>
+  </a:extLst>
+</a:theme>
 </file>
--- a/ctai-compile_time_assembly_interpreter.pptx
+++ b/ctai-compile_time_assembly_interpreter.pptx
@@ -9,8 +9,8 @@
   </p:notesMasterIdLst>
   <p:sldIdLst>
     <p:sldId id="256" r:id="rId2"/>
-    <p:sldId id="257" r:id="rId3"/>
-    <p:sldId id="258" r:id="rId4"/>
+    <p:sldId id="273" r:id="rId3"/>
+    <p:sldId id="257" r:id="rId4"/>
     <p:sldId id="259" r:id="rId5"/>
     <p:sldId id="265" r:id="rId6"/>
     <p:sldId id="266" r:id="rId7"/>
@@ -215,7 +215,7 @@
           <a:p>
             <a:fld id="{0354D649-3166-4642-8FF1-8704FB462AF1}" type="datetimeFigureOut">
               <a:rPr lang="pl-PL" smtClean="0"/>
-              <a:t>21.11.2017</a:t>
+              <a:t>26.11.2017</a:t>
             </a:fld>
             <a:endParaRPr lang="pl-PL"/>
           </a:p>
@@ -668,7 +668,7 @@
             <a:fld id="{8E36636D-D922-432D-A958-524484B5923D}" type="datetimeFigureOut">
               <a:rPr lang="en-US" dirty="0"/>
               <a:pPr/>
-              <a:t>11/21/2017</a:t>
+              <a:t>11/26/2017</a:t>
             </a:fld>
             <a:endParaRPr lang="en-US" dirty="0"/>
           </a:p>
@@ -962,7 +962,7 @@
           <a:p>
             <a:fld id="{48A87A34-81AB-432B-8DAE-1953F412C126}" type="datetimeFigureOut">
               <a:rPr lang="en-US" dirty="0"/>
-              <a:t>11/21/2017</a:t>
+              <a:t>11/26/2017</a:t>
             </a:fld>
             <a:endParaRPr lang="en-US" dirty="0"/>
           </a:p>
@@ -1149,7 +1149,7 @@
           <a:p>
             <a:fld id="{48A87A34-81AB-432B-8DAE-1953F412C126}" type="datetimeFigureOut">
               <a:rPr lang="en-US" dirty="0"/>
-              <a:t>11/21/2017</a:t>
+              <a:t>11/26/2017</a:t>
             </a:fld>
             <a:endParaRPr lang="en-US" dirty="0"/>
           </a:p>
@@ -1405,7 +1405,7 @@
           <a:p>
             <a:fld id="{48A87A34-81AB-432B-8DAE-1953F412C126}" type="datetimeFigureOut">
               <a:rPr lang="en-US" dirty="0"/>
-              <a:t>11/21/2017</a:t>
+              <a:t>11/26/2017</a:t>
             </a:fld>
             <a:endParaRPr lang="en-US" dirty="0"/>
           </a:p>
@@ -1824,7 +1824,7 @@
           <a:p>
             <a:fld id="{48A87A34-81AB-432B-8DAE-1953F412C126}" type="datetimeFigureOut">
               <a:rPr lang="en-US" dirty="0"/>
-              <a:t>11/21/2017</a:t>
+              <a:t>11/26/2017</a:t>
             </a:fld>
             <a:endParaRPr lang="en-US" dirty="0"/>
           </a:p>
@@ -2356,7 +2356,7 @@
           <a:p>
             <a:fld id="{48A87A34-81AB-432B-8DAE-1953F412C126}" type="datetimeFigureOut">
               <a:rPr lang="en-US" dirty="0"/>
-              <a:t>11/21/2017</a:t>
+              <a:t>11/26/2017</a:t>
             </a:fld>
             <a:endParaRPr lang="en-US" dirty="0"/>
           </a:p>
@@ -3215,7 +3215,7 @@
           <a:p>
             <a:fld id="{48A87A34-81AB-432B-8DAE-1953F412C126}" type="datetimeFigureOut">
               <a:rPr lang="en-US" dirty="0"/>
-              <a:t>11/21/2017</a:t>
+              <a:t>11/26/2017</a:t>
             </a:fld>
             <a:endParaRPr lang="en-US" dirty="0"/>
           </a:p>
@@ -3381,7 +3381,7 @@
             <a:fld id="{8E36636D-D922-432D-A958-524484B5923D}" type="datetimeFigureOut">
               <a:rPr lang="en-US" dirty="0"/>
               <a:pPr/>
-              <a:t>11/21/2017</a:t>
+              <a:t>11/26/2017</a:t>
             </a:fld>
             <a:endParaRPr lang="en-US" dirty="0"/>
           </a:p>
@@ -3562,7 +3562,7 @@
             <a:fld id="{8E36636D-D922-432D-A958-524484B5923D}" type="datetimeFigureOut">
               <a:rPr lang="en-US" dirty="0"/>
               <a:pPr/>
-              <a:t>11/21/2017</a:t>
+              <a:t>11/26/2017</a:t>
             </a:fld>
             <a:endParaRPr lang="en-US" dirty="0"/>
           </a:p>
@@ -3729,7 +3729,7 @@
             <a:fld id="{8E36636D-D922-432D-A958-524484B5923D}" type="datetimeFigureOut">
               <a:rPr lang="en-US" dirty="0"/>
               <a:pPr/>
-              <a:t>11/21/2017</a:t>
+              <a:t>11/26/2017</a:t>
             </a:fld>
             <a:endParaRPr lang="en-US" dirty="0"/>
           </a:p>
@@ -3970,7 +3970,7 @@
             <a:fld id="{8E36636D-D922-432D-A958-524484B5923D}" type="datetimeFigureOut">
               <a:rPr lang="en-US" dirty="0"/>
               <a:pPr/>
-              <a:t>11/21/2017</a:t>
+              <a:t>11/26/2017</a:t>
             </a:fld>
             <a:endParaRPr lang="en-US" dirty="0"/>
           </a:p>
@@ -4203,7 +4203,7 @@
             <a:fld id="{8E36636D-D922-432D-A958-524484B5923D}" type="datetimeFigureOut">
               <a:rPr lang="en-US" dirty="0"/>
               <a:pPr/>
-              <a:t>11/21/2017</a:t>
+              <a:t>11/26/2017</a:t>
             </a:fld>
             <a:endParaRPr lang="en-US" dirty="0"/>
           </a:p>
@@ -4666,7 +4666,7 @@
             <a:fld id="{8E36636D-D922-432D-A958-524484B5923D}" type="datetimeFigureOut">
               <a:rPr lang="en-US" dirty="0"/>
               <a:pPr/>
-              <a:t>11/21/2017</a:t>
+              <a:t>11/26/2017</a:t>
             </a:fld>
             <a:endParaRPr lang="en-US" dirty="0"/>
           </a:p>
@@ -4781,7 +4781,7 @@
             <a:fld id="{8E36636D-D922-432D-A958-524484B5923D}" type="datetimeFigureOut">
               <a:rPr lang="en-US" dirty="0"/>
               <a:pPr/>
-              <a:t>11/21/2017</a:t>
+              <a:t>11/26/2017</a:t>
             </a:fld>
             <a:endParaRPr lang="en-US" dirty="0"/>
           </a:p>
@@ -4873,7 +4873,7 @@
             <a:fld id="{8E36636D-D922-432D-A958-524484B5923D}" type="datetimeFigureOut">
               <a:rPr lang="en-US" dirty="0"/>
               <a:pPr/>
-              <a:t>11/21/2017</a:t>
+              <a:t>11/26/2017</a:t>
             </a:fld>
             <a:endParaRPr lang="en-US" dirty="0"/>
           </a:p>
@@ -5125,7 +5125,7 @@
             <a:fld id="{8E36636D-D922-432D-A958-524484B5923D}" type="datetimeFigureOut">
               <a:rPr lang="en-US" dirty="0"/>
               <a:pPr/>
-              <a:t>11/21/2017</a:t>
+              <a:t>11/26/2017</a:t>
             </a:fld>
             <a:endParaRPr lang="en-US" dirty="0"/>
           </a:p>
@@ -5422,7 +5422,7 @@
             <a:fld id="{8E36636D-D922-432D-A958-524484B5923D}" type="datetimeFigureOut">
               <a:rPr lang="en-US" dirty="0"/>
               <a:pPr/>
-              <a:t>11/21/2017</a:t>
+              <a:t>11/26/2017</a:t>
             </a:fld>
             <a:endParaRPr lang="en-US" dirty="0"/>
           </a:p>
@@ -5653,7 +5653,7 @@
             <a:fld id="{8E36636D-D922-432D-A958-524484B5923D}" type="datetimeFigureOut">
               <a:rPr lang="en-US" dirty="0"/>
               <a:pPr/>
-              <a:t>11/21/2017</a:t>
+              <a:t>11/26/2017</a:t>
             </a:fld>
             <a:endParaRPr lang="en-US" dirty="0"/>
           </a:p>
@@ -7207,31 +7207,6 @@
           </a:p>
           <a:p>
             <a:r>
-              <a:rPr lang="pl-PL" sz="1700" dirty="0" err="1"/>
-              <a:t>if</a:t>
-            </a:r>
-            <a:r>
-              <a:rPr lang="pl-PL" sz="1700" dirty="0"/>
-              <a:t> with </a:t>
-            </a:r>
-            <a:r>
-              <a:rPr lang="pl-PL" sz="1700" dirty="0" err="1"/>
-              <a:t>initializer</a:t>
-            </a:r>
-            <a:r>
-              <a:rPr lang="pl-PL" sz="1700" dirty="0"/>
-              <a:t> - </a:t>
-            </a:r>
-            <a:r>
-              <a:rPr lang="pl-PL" sz="1700" dirty="0">
-                <a:hlinkClick r:id="rId6"/>
-              </a:rPr>
-              <a:t>https://skebanga.github.io/if-with-initializer/</a:t>
-            </a:r>
-            <a:endParaRPr lang="pl-PL" sz="1700" dirty="0"/>
-          </a:p>
-          <a:p>
-            <a:r>
               <a:rPr lang="pl-PL" sz="1700" dirty="0"/>
               <a:t>… and </a:t>
             </a:r>
@@ -7466,7 +7441,13 @@
               <a:rPr lang="pl-PL" sz="2800" dirty="0">
                 <a:hlinkClick r:id="rId2"/>
               </a:rPr>
-              <a:t>https://github.com/stryku/workshops/tree/master/ctai_wro_cpp</a:t>
+              <a:t>https://</a:t>
+            </a:r>
+            <a:r>
+              <a:rPr lang="pl-PL" sz="2800" dirty="0">
+                <a:hlinkClick r:id="rId2"/>
+              </a:rPr>
+              <a:t>github.com/stryku/workshops/tree/master/ctai_wro_cpp</a:t>
             </a:r>
             <a:endParaRPr lang="pl-PL" sz="2800" dirty="0"/>
           </a:p>
@@ -7607,7 +7588,7 @@
           <p:cNvPr id="2" name="Tytuł 1">
             <a:extLst>
               <a:ext uri="{FF2B5EF4-FFF2-40B4-BE49-F238E27FC236}">
-                <a16:creationId xmlns:a16="http://schemas.microsoft.com/office/drawing/2014/main" id="{191A7FB7-D064-484C-B293-DDB980CE7B25}"/>
+                <a16:creationId xmlns:a16="http://schemas.microsoft.com/office/drawing/2014/main" id="{9C9A1E99-9FB8-441D-8ECA-FA901603DBF2}"/>
               </a:ext>
             </a:extLst>
           </p:cNvPr>
@@ -7615,27 +7596,49 @@
             <a:spLocks noGrp="1"/>
           </p:cNvSpPr>
           <p:nvPr>
-            <p:ph type="title"/>
-          </p:nvPr>
-        </p:nvSpPr>
-        <p:spPr/>
+            <p:ph type="ctrTitle"/>
+          </p:nvPr>
+        </p:nvSpPr>
+        <p:spPr>
+          <a:xfrm>
+            <a:off x="1150935" y="1702428"/>
+            <a:ext cx="9879549" cy="1828801"/>
+          </a:xfrm>
+        </p:spPr>
         <p:txBody>
           <a:bodyPr/>
           <a:lstStyle/>
           <a:p>
             <a:r>
+              <a:rPr lang="pl-PL" dirty="0" err="1"/>
+              <a:t>Compile-time</a:t>
+            </a:r>
+            <a:r>
               <a:rPr lang="pl-PL" dirty="0"/>
-              <a:t>Agenda</a:t>
-            </a:r>
-          </a:p>
-        </p:txBody>
-      </p:sp>
-      <p:sp>
-        <p:nvSpPr>
-          <p:cNvPr id="3" name="Symbol zastępczy zawartości 2">
+              <a:t> </a:t>
+            </a:r>
+            <a:r>
+              <a:rPr lang="pl-PL" dirty="0" err="1"/>
+              <a:t>evaluation</a:t>
+            </a:r>
+            <a:r>
+              <a:rPr lang="pl-PL" dirty="0"/>
+              <a:t> </a:t>
+            </a:r>
+            <a:r>
+              <a:rPr lang="pl-PL" dirty="0" err="1"/>
+              <a:t>protips</a:t>
+            </a:r>
+            <a:endParaRPr lang="pl-PL" dirty="0"/>
+          </a:p>
+        </p:txBody>
+      </p:sp>
+      <p:sp>
+        <p:nvSpPr>
+          <p:cNvPr id="3" name="Podtytuł 2">
             <a:extLst>
               <a:ext uri="{FF2B5EF4-FFF2-40B4-BE49-F238E27FC236}">
-                <a16:creationId xmlns:a16="http://schemas.microsoft.com/office/drawing/2014/main" id="{5EB3629E-E69D-43D5-8312-9B6DF3F264E5}"/>
+                <a16:creationId xmlns:a16="http://schemas.microsoft.com/office/drawing/2014/main" id="{00195C91-BB16-4D15-8B2C-FA783107609D}"/>
               </a:ext>
             </a:extLst>
           </p:cNvPr>
@@ -7643,7 +7646,7 @@
             <a:spLocks noGrp="1"/>
           </p:cNvSpPr>
           <p:nvPr>
-            <p:ph idx="1"/>
+            <p:ph type="subTitle" idx="1"/>
           </p:nvPr>
         </p:nvSpPr>
         <p:spPr/>
@@ -7653,79 +7656,15 @@
           <a:p>
             <a:r>
               <a:rPr lang="pl-PL" dirty="0"/>
-              <a:t>*</a:t>
-            </a:r>
-            <a:r>
-              <a:rPr lang="pl-PL" dirty="0" err="1"/>
-              <a:t>this</a:t>
-            </a:r>
-            <a:endParaRPr lang="pl-PL" dirty="0"/>
-          </a:p>
-          <a:p>
-            <a:r>
-              <a:rPr lang="pl-PL" dirty="0" err="1"/>
-              <a:t>Assumptions</a:t>
-            </a:r>
-            <a:endParaRPr lang="pl-PL" dirty="0"/>
-          </a:p>
-          <a:p>
-            <a:r>
-              <a:rPr lang="pl-PL" dirty="0" err="1"/>
-              <a:t>Steps</a:t>
-            </a:r>
-            <a:endParaRPr lang="pl-PL" dirty="0"/>
-          </a:p>
-          <a:p>
-            <a:r>
-              <a:rPr lang="pl-PL" dirty="0"/>
-              <a:t>Architecture</a:t>
-            </a:r>
-          </a:p>
-          <a:p>
-            <a:r>
-              <a:rPr lang="pl-PL" dirty="0"/>
-              <a:t>Live </a:t>
-            </a:r>
-            <a:r>
-              <a:rPr lang="pl-PL" dirty="0" err="1"/>
-              <a:t>coding</a:t>
-            </a:r>
-            <a:endParaRPr lang="pl-PL" dirty="0"/>
-          </a:p>
-          <a:p>
-            <a:r>
-              <a:rPr lang="pl-PL" dirty="0" err="1"/>
-              <a:t>Summary</a:t>
-            </a:r>
-            <a:endParaRPr lang="pl-PL" dirty="0"/>
-          </a:p>
-          <a:p>
-            <a:r>
-              <a:rPr lang="pl-PL" dirty="0"/>
-              <a:t>Links</a:t>
-            </a:r>
-          </a:p>
-          <a:p>
-            <a:r>
-              <a:rPr lang="pl-PL" dirty="0" err="1"/>
-              <a:t>Questions</a:t>
-            </a:r>
-            <a:r>
-              <a:rPr lang="pl-PL" dirty="0"/>
-              <a:t>/</a:t>
-            </a:r>
-            <a:r>
-              <a:rPr lang="pl-PL" dirty="0" err="1"/>
-              <a:t>discussion</a:t>
-            </a:r>
-            <a:endParaRPr lang="pl-PL" dirty="0"/>
+              <a:t>Mateusz Janek | 29.11.2017 | Wro.cpp</a:t>
+            </a:r>
           </a:p>
         </p:txBody>
       </p:sp>
     </p:spTree>
     <p:extLst>
       <p:ext uri="{BB962C8B-B14F-4D97-AF65-F5344CB8AC3E}">
-        <p14:creationId xmlns:p14="http://schemas.microsoft.com/office/powerpoint/2010/main" val="534319179"/>
+        <p14:creationId xmlns:p14="http://schemas.microsoft.com/office/powerpoint/2010/main" val="818156840"/>
       </p:ext>
     </p:extLst>
   </p:cSld>
@@ -7774,10 +7713,9 @@
           <a:lstStyle/>
           <a:p>
             <a:r>
-              <a:rPr lang="pl-PL" dirty="0" err="1"/>
-              <a:t>Assumtions</a:t>
-            </a:r>
-            <a:endParaRPr lang="pl-PL" dirty="0"/>
+              <a:rPr lang="pl-PL" dirty="0"/>
+              <a:t>Agenda</a:t>
+            </a:r>
           </a:p>
         </p:txBody>
       </p:sp>
@@ -7804,24 +7742,18 @@
           <a:p>
             <a:r>
               <a:rPr lang="pl-PL" dirty="0"/>
-              <a:t>YAGNI</a:t>
-            </a:r>
-          </a:p>
-          <a:p>
+              <a:t>*</a:t>
+            </a:r>
             <a:r>
               <a:rPr lang="pl-PL" dirty="0" err="1"/>
-              <a:t>unit_t</a:t>
+              <a:t>this</a:t>
             </a:r>
             <a:endParaRPr lang="pl-PL" dirty="0"/>
           </a:p>
           <a:p>
             <a:r>
-              <a:rPr lang="pl-PL" dirty="0"/>
-              <a:t>No </a:t>
-            </a:r>
-            <a:r>
               <a:rPr lang="pl-PL" dirty="0" err="1"/>
-              <a:t>floating</a:t>
+              <a:t>ctai</a:t>
             </a:r>
             <a:r>
               <a:rPr lang="pl-PL" dirty="0"/>
@@ -7829,49 +7761,42 @@
             </a:r>
             <a:r>
               <a:rPr lang="pl-PL" dirty="0" err="1"/>
-              <a:t>points</a:t>
+              <a:t>overview</a:t>
             </a:r>
             <a:endParaRPr lang="pl-PL" dirty="0"/>
           </a:p>
           <a:p>
             <a:r>
               <a:rPr lang="pl-PL" dirty="0" err="1"/>
-              <a:t>Tokens</a:t>
-            </a:r>
+              <a:t>Protips</a:t>
+            </a:r>
+            <a:endParaRPr lang="pl-PL" dirty="0"/>
+          </a:p>
+          <a:p>
+            <a:r>
+              <a:rPr lang="pl-PL" dirty="0" err="1"/>
+              <a:t>Summary</a:t>
+            </a:r>
+            <a:endParaRPr lang="pl-PL" dirty="0"/>
+          </a:p>
+          <a:p>
             <a:r>
               <a:rPr lang="pl-PL" dirty="0"/>
-              <a:t> </a:t>
-            </a:r>
+              <a:t>Links</a:t>
+            </a:r>
+          </a:p>
+          <a:p>
             <a:r>
               <a:rPr lang="pl-PL" dirty="0" err="1"/>
-              <a:t>separated</a:t>
+              <a:t>Questions</a:t>
             </a:r>
             <a:r>
               <a:rPr lang="pl-PL" dirty="0"/>
-              <a:t> by ONE </a:t>
+              <a:t>/</a:t>
             </a:r>
             <a:r>
               <a:rPr lang="pl-PL" dirty="0" err="1"/>
-              <a:t>space</a:t>
-            </a:r>
-            <a:endParaRPr lang="pl-PL" dirty="0"/>
-          </a:p>
-          <a:p>
-            <a:r>
-              <a:rPr lang="pl-PL" dirty="0"/>
-              <a:t>:</a:t>
-            </a:r>
-            <a:r>
-              <a:rPr lang="pl-PL" dirty="0" err="1"/>
-              <a:t>label</a:t>
-            </a:r>
-            <a:r>
-              <a:rPr lang="pl-PL" dirty="0"/>
-              <a:t> &amp; .</a:t>
-            </a:r>
-            <a:r>
-              <a:rPr lang="pl-PL" dirty="0" err="1"/>
-              <a:t>label</a:t>
+              <a:t>discussion</a:t>
             </a:r>
             <a:endParaRPr lang="pl-PL" dirty="0"/>
           </a:p>
@@ -7880,7 +7805,7 @@
     </p:spTree>
     <p:extLst>
       <p:ext uri="{BB962C8B-B14F-4D97-AF65-F5344CB8AC3E}">
-        <p14:creationId xmlns:p14="http://schemas.microsoft.com/office/powerpoint/2010/main" val="2803549332"/>
+        <p14:creationId xmlns:p14="http://schemas.microsoft.com/office/powerpoint/2010/main" val="534319179"/>
       </p:ext>
     </p:extLst>
   </p:cSld>
@@ -7930,9 +7855,12 @@
           <a:p>
             <a:r>
               <a:rPr lang="pl-PL" dirty="0" err="1"/>
-              <a:t>Steps</a:t>
-            </a:r>
-            <a:endParaRPr lang="pl-PL" dirty="0"/>
+              <a:t>ctai</a:t>
+            </a:r>
+            <a:r>
+              <a:rPr lang="pl-PL" dirty="0"/>
+              <a:t> </a:t>
+            </a:r>
           </a:p>
         </p:txBody>
       </p:sp>

--- a/ctai-compile_time_assembly_interpreter.pptx
+++ b/ctai-compile_time_assembly_interpreter.pptx
@@ -5,24 +5,25 @@
     <p:sldMasterId id="2147483840" r:id="rId1"/>
   </p:sldMasterIdLst>
   <p:notesMasterIdLst>
-    <p:notesMasterId r:id="rId17"/>
+    <p:notesMasterId r:id="rId18"/>
   </p:notesMasterIdLst>
   <p:sldIdLst>
     <p:sldId id="256" r:id="rId2"/>
-    <p:sldId id="273" r:id="rId3"/>
-    <p:sldId id="257" r:id="rId4"/>
-    <p:sldId id="259" r:id="rId5"/>
-    <p:sldId id="265" r:id="rId6"/>
-    <p:sldId id="266" r:id="rId7"/>
-    <p:sldId id="267" r:id="rId8"/>
-    <p:sldId id="268" r:id="rId9"/>
-    <p:sldId id="269" r:id="rId10"/>
-    <p:sldId id="260" r:id="rId11"/>
-    <p:sldId id="263" r:id="rId12"/>
-    <p:sldId id="270" r:id="rId13"/>
-    <p:sldId id="272" r:id="rId14"/>
-    <p:sldId id="271" r:id="rId15"/>
-    <p:sldId id="264" r:id="rId16"/>
+    <p:sldId id="257" r:id="rId3"/>
+    <p:sldId id="259" r:id="rId4"/>
+    <p:sldId id="265" r:id="rId5"/>
+    <p:sldId id="266" r:id="rId6"/>
+    <p:sldId id="267" r:id="rId7"/>
+    <p:sldId id="268" r:id="rId8"/>
+    <p:sldId id="269" r:id="rId9"/>
+    <p:sldId id="260" r:id="rId10"/>
+    <p:sldId id="263" r:id="rId11"/>
+    <p:sldId id="275" r:id="rId12"/>
+    <p:sldId id="276" r:id="rId13"/>
+    <p:sldId id="270" r:id="rId14"/>
+    <p:sldId id="272" r:id="rId15"/>
+    <p:sldId id="271" r:id="rId16"/>
+    <p:sldId id="264" r:id="rId17"/>
   </p:sldIdLst>
   <p:sldSz cx="12192000" cy="6858000"/>
   <p:notesSz cx="6858000" cy="9144000"/>
@@ -6444,10 +6445,10 @@
       </p:grpSpPr>
       <p:sp>
         <p:nvSpPr>
-          <p:cNvPr id="9" name="Tytuł 8">
+          <p:cNvPr id="2" name="Tytuł 1">
             <a:extLst>
               <a:ext uri="{FF2B5EF4-FFF2-40B4-BE49-F238E27FC236}">
-                <a16:creationId xmlns:a16="http://schemas.microsoft.com/office/drawing/2014/main" id="{51C07B6B-B86B-47C7-AE26-2D4E2EF51147}"/>
+                <a16:creationId xmlns:a16="http://schemas.microsoft.com/office/drawing/2014/main" id="{191A7FB7-D064-484C-B293-DDB980CE7B25}"/>
               </a:ext>
             </a:extLst>
           </p:cNvPr>
@@ -6460,483 +6461,93 @@
         </p:nvSpPr>
         <p:spPr/>
         <p:txBody>
-          <a:bodyPr/>
-          <a:lstStyle/>
-          <a:p>
-            <a:r>
-              <a:rPr lang="pl-PL" dirty="0"/>
-              <a:t>Architecture</a:t>
-            </a:r>
-          </a:p>
-        </p:txBody>
-      </p:sp>
-      <p:sp>
-        <p:nvSpPr>
-          <p:cNvPr id="2" name="Prostokąt: zaokrąglone rogi 1">
+          <a:bodyPr>
+            <a:normAutofit/>
+          </a:bodyPr>
+          <a:lstStyle/>
+          <a:p>
+            <a:r>
+              <a:rPr lang="pl-PL" dirty="0" err="1"/>
+              <a:t>Algorithm</a:t>
+            </a:r>
+            <a:endParaRPr lang="pl-PL" dirty="0"/>
+          </a:p>
+        </p:txBody>
+      </p:sp>
+      <p:sp>
+        <p:nvSpPr>
+          <p:cNvPr id="3" name="Symbol zastępczy zawartości 2">
             <a:extLst>
               <a:ext uri="{FF2B5EF4-FFF2-40B4-BE49-F238E27FC236}">
-                <a16:creationId xmlns:a16="http://schemas.microsoft.com/office/drawing/2014/main" id="{3872A3F1-47FB-475E-A489-DD592BC469DF}"/>
+                <a16:creationId xmlns:a16="http://schemas.microsoft.com/office/drawing/2014/main" id="{5EB3629E-E69D-43D5-8312-9B6DF3F264E5}"/>
               </a:ext>
             </a:extLst>
           </p:cNvPr>
-          <p:cNvSpPr/>
-          <p:nvPr/>
-        </p:nvSpPr>
-        <p:spPr>
-          <a:xfrm>
-            <a:off x="860140" y="1580050"/>
-            <a:ext cx="10461072" cy="4613945"/>
-          </a:xfrm>
-          <a:prstGeom prst="roundRect">
-            <a:avLst/>
-          </a:prstGeom>
-        </p:spPr>
-        <p:style>
-          <a:lnRef idx="2">
-            <a:schemeClr val="accent1">
-              <a:shade val="50000"/>
-            </a:schemeClr>
-          </a:lnRef>
-          <a:fillRef idx="1">
-            <a:schemeClr val="accent1"/>
-          </a:fillRef>
-          <a:effectRef idx="0">
-            <a:schemeClr val="accent1"/>
-          </a:effectRef>
-          <a:fontRef idx="minor">
-            <a:schemeClr val="lt1"/>
-          </a:fontRef>
-        </p:style>
-        <p:txBody>
-          <a:bodyPr rtlCol="0" anchor="ctr"/>
-          <a:lstStyle/>
-          <a:p>
-            <a:pPr algn="ctr"/>
-            <a:endParaRPr lang="pl-PL" dirty="0"/>
-          </a:p>
-        </p:txBody>
-      </p:sp>
-      <p:sp>
-        <p:nvSpPr>
-          <p:cNvPr id="3" name="pole tekstowe 2">
-            <a:extLst>
-              <a:ext uri="{FF2B5EF4-FFF2-40B4-BE49-F238E27FC236}">
-                <a16:creationId xmlns:a16="http://schemas.microsoft.com/office/drawing/2014/main" id="{EAF52FFF-1E18-4224-8E6D-51D7A4015CFE}"/>
-              </a:ext>
-            </a:extLst>
-          </p:cNvPr>
-          <p:cNvSpPr txBox="1"/>
-          <p:nvPr/>
-        </p:nvSpPr>
-        <p:spPr>
-          <a:xfrm>
-            <a:off x="3078759" y="1580050"/>
-            <a:ext cx="2034981" cy="523220"/>
-          </a:xfrm>
-          <a:prstGeom prst="rect">
-            <a:avLst/>
-          </a:prstGeom>
-          <a:noFill/>
-        </p:spPr>
-        <p:txBody>
-          <a:bodyPr wrap="none" rtlCol="0">
-            <a:spAutoFit/>
+          <p:cNvSpPr>
+            <a:spLocks noGrp="1"/>
+          </p:cNvSpPr>
+          <p:nvPr>
+            <p:ph idx="1"/>
+          </p:nvPr>
+        </p:nvSpPr>
+        <p:spPr/>
+        <p:txBody>
+          <a:bodyPr>
+            <a:normAutofit/>
           </a:bodyPr>
           <a:lstStyle/>
           <a:p>
             <a:r>
-              <a:rPr lang="pl-PL" sz="2800" b="1" dirty="0">
-                <a:solidFill>
-                  <a:schemeClr val="accent6">
-                    <a:lumMod val="50000"/>
-                  </a:schemeClr>
-                </a:solidFill>
-              </a:rPr>
-              <a:t>MACHINE</a:t>
-            </a:r>
-          </a:p>
-        </p:txBody>
-      </p:sp>
-      <p:sp>
-        <p:nvSpPr>
-          <p:cNvPr id="4" name="Prostokąt 3">
-            <a:extLst>
-              <a:ext uri="{FF2B5EF4-FFF2-40B4-BE49-F238E27FC236}">
-                <a16:creationId xmlns:a16="http://schemas.microsoft.com/office/drawing/2014/main" id="{A1D2E951-7D59-451D-8F16-C344015EF321}"/>
-              </a:ext>
-            </a:extLst>
-          </p:cNvPr>
-          <p:cNvSpPr/>
-          <p:nvPr/>
-        </p:nvSpPr>
-        <p:spPr>
-          <a:xfrm>
-            <a:off x="1510017" y="2442141"/>
-            <a:ext cx="6644081" cy="2927758"/>
-          </a:xfrm>
-          <a:prstGeom prst="rect">
-            <a:avLst/>
-          </a:prstGeom>
-        </p:spPr>
-        <p:style>
-          <a:lnRef idx="2">
-            <a:schemeClr val="accent3">
-              <a:shade val="50000"/>
-            </a:schemeClr>
-          </a:lnRef>
-          <a:fillRef idx="1">
-            <a:schemeClr val="accent3"/>
-          </a:fillRef>
-          <a:effectRef idx="0">
-            <a:schemeClr val="accent3"/>
-          </a:effectRef>
-          <a:fontRef idx="minor">
-            <a:schemeClr val="lt1"/>
-          </a:fontRef>
-        </p:style>
-        <p:txBody>
-          <a:bodyPr rtlCol="0" anchor="ctr"/>
-          <a:lstStyle/>
-          <a:p>
-            <a:pPr algn="ctr"/>
-            <a:endParaRPr lang="pl-PL"/>
-          </a:p>
-        </p:txBody>
-      </p:sp>
-      <p:sp>
-        <p:nvSpPr>
-          <p:cNvPr id="5" name="pole tekstowe 4">
-            <a:extLst>
-              <a:ext uri="{FF2B5EF4-FFF2-40B4-BE49-F238E27FC236}">
-                <a16:creationId xmlns:a16="http://schemas.microsoft.com/office/drawing/2014/main" id="{14DD404E-8F2D-4A86-A2CE-15A5BCC470A3}"/>
-              </a:ext>
-            </a:extLst>
-          </p:cNvPr>
-          <p:cNvSpPr txBox="1"/>
-          <p:nvPr/>
-        </p:nvSpPr>
-        <p:spPr>
-          <a:xfrm>
-            <a:off x="1510017" y="2442141"/>
-            <a:ext cx="753732" cy="369332"/>
-          </a:xfrm>
-          <a:prstGeom prst="rect">
-            <a:avLst/>
-          </a:prstGeom>
-          <a:noFill/>
-        </p:spPr>
-        <p:txBody>
-          <a:bodyPr wrap="none" rtlCol="0">
-            <a:spAutoFit/>
-          </a:bodyPr>
-          <a:lstStyle/>
-          <a:p>
-            <a:r>
-              <a:rPr lang="pl-PL" b="1" dirty="0">
-                <a:solidFill>
-                  <a:schemeClr val="accent6">
-                    <a:lumMod val="50000"/>
-                  </a:schemeClr>
-                </a:solidFill>
-              </a:rPr>
-              <a:t>RAM</a:t>
-            </a:r>
-          </a:p>
-        </p:txBody>
-      </p:sp>
-      <p:sp>
-        <p:nvSpPr>
-          <p:cNvPr id="6" name="Prostokąt 5">
-            <a:extLst>
-              <a:ext uri="{FF2B5EF4-FFF2-40B4-BE49-F238E27FC236}">
-                <a16:creationId xmlns:a16="http://schemas.microsoft.com/office/drawing/2014/main" id="{7539B96D-4ED5-4E8D-97F8-B5C44E553822}"/>
-              </a:ext>
-            </a:extLst>
-          </p:cNvPr>
-          <p:cNvSpPr/>
-          <p:nvPr/>
-        </p:nvSpPr>
-        <p:spPr>
-          <a:xfrm>
-            <a:off x="8338657" y="2442141"/>
-            <a:ext cx="629174" cy="302250"/>
-          </a:xfrm>
-          <a:prstGeom prst="rect">
-            <a:avLst/>
-          </a:prstGeom>
-        </p:spPr>
-        <p:style>
-          <a:lnRef idx="3">
-            <a:schemeClr val="lt1"/>
-          </a:lnRef>
-          <a:fillRef idx="1">
-            <a:schemeClr val="accent2"/>
-          </a:fillRef>
-          <a:effectRef idx="1">
-            <a:schemeClr val="accent2"/>
-          </a:effectRef>
-          <a:fontRef idx="minor">
-            <a:schemeClr val="lt1"/>
-          </a:fontRef>
-        </p:style>
-        <p:txBody>
-          <a:bodyPr rtlCol="0" anchor="ctr"/>
-          <a:lstStyle/>
-          <a:p>
-            <a:pPr algn="ctr"/>
-            <a:r>
-              <a:rPr lang="pl-PL" b="1" dirty="0">
-                <a:solidFill>
-                  <a:schemeClr val="accent6">
-                    <a:lumMod val="50000"/>
-                  </a:schemeClr>
-                </a:solidFill>
-              </a:rPr>
-              <a:t>ZF</a:t>
-            </a:r>
-          </a:p>
-        </p:txBody>
-      </p:sp>
-      <p:sp>
-        <p:nvSpPr>
-          <p:cNvPr id="7" name="Prostokąt 6">
-            <a:extLst>
-              <a:ext uri="{FF2B5EF4-FFF2-40B4-BE49-F238E27FC236}">
-                <a16:creationId xmlns:a16="http://schemas.microsoft.com/office/drawing/2014/main" id="{478F1206-956F-4775-B5B3-1052EA3A330B}"/>
-              </a:ext>
-            </a:extLst>
-          </p:cNvPr>
-          <p:cNvSpPr/>
-          <p:nvPr/>
-        </p:nvSpPr>
-        <p:spPr>
-          <a:xfrm>
-            <a:off x="9227284" y="2442141"/>
-            <a:ext cx="1481533" cy="2927758"/>
-          </a:xfrm>
-          <a:prstGeom prst="rect">
-            <a:avLst/>
-          </a:prstGeom>
-        </p:spPr>
-        <p:style>
-          <a:lnRef idx="2">
-            <a:schemeClr val="accent6">
-              <a:shade val="50000"/>
-            </a:schemeClr>
-          </a:lnRef>
-          <a:fillRef idx="1">
-            <a:schemeClr val="accent6"/>
-          </a:fillRef>
-          <a:effectRef idx="0">
-            <a:schemeClr val="accent6"/>
-          </a:effectRef>
-          <a:fontRef idx="minor">
-            <a:schemeClr val="lt1"/>
-          </a:fontRef>
-        </p:style>
-        <p:txBody>
-          <a:bodyPr rtlCol="0" anchor="ctr"/>
-          <a:lstStyle/>
-          <a:p>
-            <a:pPr algn="ctr"/>
-            <a:endParaRPr lang="pl-PL" dirty="0"/>
-          </a:p>
-        </p:txBody>
-      </p:sp>
-      <p:sp>
-        <p:nvSpPr>
-          <p:cNvPr id="8" name="pole tekstowe 7">
-            <a:extLst>
-              <a:ext uri="{FF2B5EF4-FFF2-40B4-BE49-F238E27FC236}">
-                <a16:creationId xmlns:a16="http://schemas.microsoft.com/office/drawing/2014/main" id="{03E910C5-8B44-4893-8732-780714A511E7}"/>
-              </a:ext>
-            </a:extLst>
-          </p:cNvPr>
-          <p:cNvSpPr txBox="1"/>
-          <p:nvPr/>
-        </p:nvSpPr>
-        <p:spPr>
-          <a:xfrm>
-            <a:off x="9227284" y="2434697"/>
-            <a:ext cx="1523174" cy="2585323"/>
-          </a:xfrm>
-          <a:prstGeom prst="rect">
-            <a:avLst/>
-          </a:prstGeom>
-          <a:noFill/>
-        </p:spPr>
-        <p:txBody>
-          <a:bodyPr wrap="none" rtlCol="0">
-            <a:spAutoFit/>
-          </a:bodyPr>
-          <a:lstStyle/>
-          <a:p>
-            <a:r>
-              <a:rPr lang="pl-PL" b="1" dirty="0">
-                <a:solidFill>
-                  <a:schemeClr val="accent6">
-                    <a:lumMod val="50000"/>
-                  </a:schemeClr>
-                </a:solidFill>
-              </a:rPr>
-              <a:t>REGISTERS</a:t>
-            </a:r>
-          </a:p>
-          <a:p>
-            <a:endParaRPr lang="pl-PL" b="1" dirty="0">
-              <a:solidFill>
-                <a:schemeClr val="accent6">
-                  <a:lumMod val="50000"/>
-                </a:schemeClr>
-              </a:solidFill>
-            </a:endParaRPr>
-          </a:p>
-          <a:p>
-            <a:pPr algn="ctr"/>
-            <a:r>
-              <a:rPr lang="pl-PL" b="1" dirty="0" err="1">
-                <a:solidFill>
-                  <a:schemeClr val="accent6">
-                    <a:lumMod val="50000"/>
-                  </a:schemeClr>
-                </a:solidFill>
-              </a:rPr>
-              <a:t>eax</a:t>
-            </a:r>
-            <a:endParaRPr lang="pl-PL" b="1" dirty="0">
-              <a:solidFill>
-                <a:schemeClr val="accent6">
-                  <a:lumMod val="50000"/>
-                </a:schemeClr>
-              </a:solidFill>
-            </a:endParaRPr>
-          </a:p>
-          <a:p>
-            <a:pPr algn="ctr"/>
-            <a:r>
-              <a:rPr lang="pl-PL" b="1" dirty="0" err="1">
-                <a:solidFill>
-                  <a:schemeClr val="accent6">
-                    <a:lumMod val="50000"/>
-                  </a:schemeClr>
-                </a:solidFill>
-              </a:rPr>
-              <a:t>ebx</a:t>
-            </a:r>
-            <a:endParaRPr lang="pl-PL" b="1" dirty="0">
-              <a:solidFill>
-                <a:schemeClr val="accent6">
-                  <a:lumMod val="50000"/>
-                </a:schemeClr>
-              </a:solidFill>
-            </a:endParaRPr>
-          </a:p>
-          <a:p>
-            <a:pPr algn="ctr"/>
-            <a:r>
-              <a:rPr lang="pl-PL" b="1" dirty="0" err="1">
-                <a:solidFill>
-                  <a:schemeClr val="accent6">
-                    <a:lumMod val="50000"/>
-                  </a:schemeClr>
-                </a:solidFill>
-              </a:rPr>
-              <a:t>ecx</a:t>
-            </a:r>
-            <a:endParaRPr lang="pl-PL" b="1" dirty="0">
-              <a:solidFill>
-                <a:schemeClr val="accent6">
-                  <a:lumMod val="50000"/>
-                </a:schemeClr>
-              </a:solidFill>
-            </a:endParaRPr>
-          </a:p>
-          <a:p>
-            <a:pPr algn="ctr"/>
-            <a:r>
-              <a:rPr lang="pl-PL" b="1" dirty="0" err="1">
-                <a:solidFill>
-                  <a:schemeClr val="accent6">
-                    <a:lumMod val="50000"/>
-                  </a:schemeClr>
-                </a:solidFill>
-              </a:rPr>
-              <a:t>edx</a:t>
-            </a:r>
-            <a:endParaRPr lang="pl-PL" b="1" dirty="0">
-              <a:solidFill>
-                <a:schemeClr val="accent6">
-                  <a:lumMod val="50000"/>
-                </a:schemeClr>
-              </a:solidFill>
-            </a:endParaRPr>
-          </a:p>
-          <a:p>
-            <a:pPr algn="ctr"/>
-            <a:r>
-              <a:rPr lang="pl-PL" b="1" dirty="0" err="1">
-                <a:solidFill>
-                  <a:schemeClr val="accent6">
-                    <a:lumMod val="50000"/>
-                  </a:schemeClr>
-                </a:solidFill>
-              </a:rPr>
-              <a:t>ebp</a:t>
-            </a:r>
-            <a:endParaRPr lang="pl-PL" b="1" dirty="0">
-              <a:solidFill>
-                <a:schemeClr val="accent6">
-                  <a:lumMod val="50000"/>
-                </a:schemeClr>
-              </a:solidFill>
-            </a:endParaRPr>
-          </a:p>
-          <a:p>
-            <a:pPr algn="ctr"/>
-            <a:r>
-              <a:rPr lang="pl-PL" b="1" dirty="0" err="1">
-                <a:solidFill>
-                  <a:schemeClr val="accent6">
-                    <a:lumMod val="50000"/>
-                  </a:schemeClr>
-                </a:solidFill>
-              </a:rPr>
-              <a:t>esp</a:t>
-            </a:r>
-            <a:endParaRPr lang="pl-PL" b="1" dirty="0">
-              <a:solidFill>
-                <a:schemeClr val="accent6">
-                  <a:lumMod val="50000"/>
-                </a:schemeClr>
-              </a:solidFill>
-            </a:endParaRPr>
-          </a:p>
-          <a:p>
-            <a:pPr algn="ctr"/>
-            <a:r>
-              <a:rPr lang="pl-PL" b="1" dirty="0" err="1">
-                <a:solidFill>
-                  <a:schemeClr val="accent6">
-                    <a:lumMod val="50000"/>
-                  </a:schemeClr>
-                </a:solidFill>
-              </a:rPr>
-              <a:t>eip</a:t>
-            </a:r>
-            <a:endParaRPr lang="pl-PL" b="1" dirty="0">
-              <a:solidFill>
-                <a:schemeClr val="accent6">
-                  <a:lumMod val="50000"/>
-                </a:schemeClr>
-              </a:solidFill>
-            </a:endParaRPr>
+              <a:rPr lang="pl-PL" sz="1700" dirty="0" err="1"/>
+              <a:t>Helpers</a:t>
+            </a:r>
+            <a:endParaRPr lang="pl-PL" sz="1700" dirty="0"/>
+          </a:p>
+          <a:p>
+            <a:pPr lvl="1"/>
+            <a:r>
+              <a:rPr lang="pl-PL" sz="1500" dirty="0" err="1"/>
+              <a:t>vector</a:t>
+            </a:r>
+            <a:r>
+              <a:rPr lang="pl-PL" sz="1500" dirty="0"/>
+              <a:t>, string</a:t>
+            </a:r>
+          </a:p>
+          <a:p>
+            <a:r>
+              <a:rPr lang="pl-PL" sz="1700" dirty="0" err="1"/>
+              <a:t>Tokenize</a:t>
+            </a:r>
+            <a:endParaRPr lang="pl-PL" sz="1700" dirty="0"/>
+          </a:p>
+          <a:p>
+            <a:r>
+              <a:rPr lang="pl-PL" sz="1700" dirty="0" err="1"/>
+              <a:t>Labels</a:t>
+            </a:r>
+            <a:endParaRPr lang="pl-PL" sz="1500" dirty="0"/>
+          </a:p>
+          <a:p>
+            <a:r>
+              <a:rPr lang="pl-PL" sz="1700" dirty="0" err="1"/>
+              <a:t>Assemble</a:t>
+            </a:r>
+            <a:endParaRPr lang="pl-PL" sz="1700" dirty="0"/>
+          </a:p>
+          <a:p>
+            <a:r>
+              <a:rPr lang="pl-PL" sz="1700" dirty="0" err="1"/>
+              <a:t>Execute</a:t>
+            </a:r>
+            <a:endParaRPr lang="pl-PL" sz="1700" dirty="0"/>
           </a:p>
         </p:txBody>
       </p:sp>
     </p:spTree>
     <p:extLst>
       <p:ext uri="{BB962C8B-B14F-4D97-AF65-F5344CB8AC3E}">
-        <p14:creationId xmlns:p14="http://schemas.microsoft.com/office/powerpoint/2010/main" val="2385690159"/>
+        <p14:creationId xmlns:p14="http://schemas.microsoft.com/office/powerpoint/2010/main" val="2807873422"/>
       </p:ext>
     </p:extLst>
   </p:cSld>
@@ -6987,12 +6598,8 @@
           <a:lstStyle/>
           <a:p>
             <a:r>
-              <a:rPr lang="pl-PL" dirty="0"/>
-              <a:t>The </a:t>
-            </a:r>
-            <a:r>
               <a:rPr lang="pl-PL" dirty="0" err="1"/>
-              <a:t>Code</a:t>
+              <a:t>Protips</a:t>
             </a:r>
             <a:endParaRPr lang="pl-PL" dirty="0"/>
           </a:p>
@@ -7021,14 +6628,81 @@
           </a:bodyPr>
           <a:lstStyle/>
           <a:p>
+            <a:r>
+              <a:rPr lang="pl-PL" sz="1700" dirty="0" err="1"/>
+              <a:t>Helpers</a:t>
+            </a:r>
             <a:endParaRPr lang="pl-PL" sz="1700" dirty="0"/>
+          </a:p>
+          <a:p>
+            <a:pPr lvl="1"/>
+            <a:r>
+              <a:rPr lang="pl-PL" sz="1500" dirty="0" err="1"/>
+              <a:t>vector</a:t>
+            </a:r>
+            <a:r>
+              <a:rPr lang="pl-PL" sz="1500" dirty="0"/>
+              <a:t>, string</a:t>
+            </a:r>
+          </a:p>
+          <a:p>
+            <a:r>
+              <a:rPr lang="pl-PL" sz="1700" dirty="0" err="1"/>
+              <a:t>Tokenize</a:t>
+            </a:r>
+            <a:endParaRPr lang="pl-PL" sz="1700" dirty="0"/>
+          </a:p>
+          <a:p>
+            <a:r>
+              <a:rPr lang="pl-PL" sz="1700" dirty="0" err="1"/>
+              <a:t>Labels</a:t>
+            </a:r>
+            <a:endParaRPr lang="pl-PL" sz="1700" dirty="0"/>
+          </a:p>
+          <a:p>
+            <a:r>
+              <a:rPr lang="pl-PL" sz="1700" dirty="0" err="1">
+                <a:solidFill>
+                  <a:schemeClr val="tx2">
+                    <a:lumMod val="50000"/>
+                  </a:schemeClr>
+                </a:solidFill>
+              </a:rPr>
+              <a:t>Assemble</a:t>
+            </a:r>
+            <a:endParaRPr lang="pl-PL" sz="1700" dirty="0">
+              <a:solidFill>
+                <a:schemeClr val="tx2">
+                  <a:lumMod val="50000"/>
+                </a:schemeClr>
+              </a:solidFill>
+            </a:endParaRPr>
+          </a:p>
+          <a:p>
+            <a:r>
+              <a:rPr lang="pl-PL" sz="1700" dirty="0" err="1">
+                <a:solidFill>
+                  <a:schemeClr val="tx2">
+                    <a:lumMod val="50000"/>
+                  </a:schemeClr>
+                </a:solidFill>
+              </a:rPr>
+              <a:t>Execute</a:t>
+            </a:r>
+            <a:endParaRPr lang="pl-PL" sz="1700" dirty="0">
+              <a:solidFill>
+                <a:schemeClr val="tx2">
+                  <a:lumMod val="50000"/>
+                </a:schemeClr>
+              </a:solidFill>
+            </a:endParaRPr>
           </a:p>
         </p:txBody>
       </p:sp>
     </p:spTree>
     <p:extLst>
       <p:ext uri="{BB962C8B-B14F-4D97-AF65-F5344CB8AC3E}">
-        <p14:creationId xmlns:p14="http://schemas.microsoft.com/office/powerpoint/2010/main" val="2807873422"/>
+        <p14:creationId xmlns:p14="http://schemas.microsoft.com/office/powerpoint/2010/main" val="1968749950"/>
       </p:ext>
     </p:extLst>
   </p:cSld>
@@ -7073,13 +6747,20 @@
         </p:nvSpPr>
         <p:spPr/>
         <p:txBody>
-          <a:bodyPr/>
+          <a:bodyPr>
+            <a:normAutofit/>
+          </a:bodyPr>
           <a:lstStyle/>
           <a:p>
             <a:r>
               <a:rPr lang="pl-PL" dirty="0"/>
-              <a:t>Links</a:t>
-            </a:r>
+              <a:t>The </a:t>
+            </a:r>
+            <a:r>
+              <a:rPr lang="pl-PL" dirty="0" err="1"/>
+              <a:t>Code</a:t>
+            </a:r>
+            <a:endParaRPr lang="pl-PL" dirty="0"/>
           </a:p>
         </p:txBody>
       </p:sp>
@@ -7106,141 +6787,20 @@
           </a:bodyPr>
           <a:lstStyle/>
           <a:p>
-            <a:r>
-              <a:rPr lang="pl-PL" sz="1700" dirty="0" err="1"/>
-              <a:t>decltype</a:t>
-            </a:r>
-            <a:r>
-              <a:rPr lang="pl-PL" sz="1700" dirty="0"/>
-              <a:t>(auto) - </a:t>
-            </a:r>
-            <a:r>
-              <a:rPr lang="pl-PL" sz="1700" dirty="0">
-                <a:hlinkClick r:id="rId2"/>
-              </a:rPr>
-              <a:t>https://stackoverflow.com/a/24109800/4175394</a:t>
-            </a:r>
-            <a:endParaRPr lang="pl-PL" sz="1700" dirty="0"/>
-          </a:p>
-          <a:p>
-            <a:r>
-              <a:rPr lang="pl-PL" sz="1700" dirty="0" err="1"/>
-              <a:t>user</a:t>
-            </a:r>
-            <a:r>
-              <a:rPr lang="pl-PL" sz="1700" dirty="0"/>
-              <a:t> </a:t>
-            </a:r>
-            <a:r>
-              <a:rPr lang="pl-PL" sz="1700" dirty="0" err="1"/>
-              <a:t>defined</a:t>
-            </a:r>
-            <a:r>
-              <a:rPr lang="pl-PL" sz="1700" dirty="0"/>
-              <a:t> </a:t>
-            </a:r>
-            <a:r>
-              <a:rPr lang="pl-PL" sz="1700" dirty="0" err="1"/>
-              <a:t>literals</a:t>
-            </a:r>
-            <a:r>
-              <a:rPr lang="pl-PL" sz="1700" dirty="0"/>
-              <a:t> - </a:t>
-            </a:r>
-            <a:r>
-              <a:rPr lang="pl-PL" sz="1700" dirty="0">
-                <a:hlinkClick r:id="rId3"/>
-              </a:rPr>
-              <a:t>http://en.cppreference.com/w/cpp/language/user_literal</a:t>
-            </a:r>
-            <a:endParaRPr lang="pl-PL" sz="1700" dirty="0"/>
-          </a:p>
-          <a:p>
-            <a:r>
-              <a:rPr lang="pl-PL" sz="1700" dirty="0" err="1"/>
-              <a:t>deduction</a:t>
-            </a:r>
-            <a:r>
-              <a:rPr lang="pl-PL" sz="1700" dirty="0"/>
-              <a:t> </a:t>
-            </a:r>
-            <a:r>
-              <a:rPr lang="pl-PL" sz="1700" dirty="0" err="1"/>
-              <a:t>guides</a:t>
-            </a:r>
-            <a:r>
-              <a:rPr lang="pl-PL" sz="1700" dirty="0"/>
-              <a:t> - </a:t>
-            </a:r>
-            <a:r>
-              <a:rPr lang="pl-PL" sz="1700" dirty="0">
-                <a:hlinkClick r:id="rId4"/>
-              </a:rPr>
-              <a:t>http://en.cppreference.com/w/cpp/language/class_template_argument_deduction</a:t>
-            </a:r>
-            <a:endParaRPr lang="pl-PL" sz="1700" dirty="0"/>
-          </a:p>
-          <a:p>
-            <a:r>
-              <a:rPr lang="pl-PL" sz="1700" dirty="0" err="1"/>
-              <a:t>two-phase</a:t>
-            </a:r>
-            <a:r>
-              <a:rPr lang="pl-PL" sz="1700" dirty="0"/>
-              <a:t> </a:t>
-            </a:r>
-            <a:r>
-              <a:rPr lang="pl-PL" sz="1700" dirty="0" err="1"/>
-              <a:t>lookup</a:t>
-            </a:r>
-            <a:r>
-              <a:rPr lang="pl-PL" sz="1700" dirty="0"/>
-              <a:t> - </a:t>
-            </a:r>
-            <a:r>
-              <a:rPr lang="pl-PL" sz="1700" dirty="0">
-                <a:hlinkClick r:id="rId5"/>
-              </a:rPr>
-              <a:t>http://blog.llvm.org/2009/12/dreaded-two-phase-name-lookup.html</a:t>
-            </a:r>
-            <a:endParaRPr lang="pl-PL" sz="1700" dirty="0"/>
-          </a:p>
-          <a:p>
-            <a:r>
-              <a:rPr lang="pl-PL" sz="1700" dirty="0"/>
-              <a:t>… and </a:t>
-            </a:r>
-            <a:r>
-              <a:rPr lang="pl-PL" sz="1700" dirty="0" err="1"/>
-              <a:t>more</a:t>
-            </a:r>
-            <a:r>
-              <a:rPr lang="pl-PL" sz="1700" dirty="0"/>
-              <a:t>. </a:t>
-            </a:r>
-            <a:r>
-              <a:rPr lang="pl-PL" sz="1700" dirty="0" err="1"/>
-              <a:t>Check</a:t>
-            </a:r>
-            <a:r>
-              <a:rPr lang="pl-PL" sz="1700" dirty="0"/>
-              <a:t> the </a:t>
-            </a:r>
-            <a:r>
-              <a:rPr lang="pl-PL" sz="1700" dirty="0" err="1"/>
-              <a:t>code</a:t>
-            </a:r>
-            <a:r>
-              <a:rPr lang="pl-PL" sz="1700" dirty="0"/>
-              <a:t> (:</a:t>
-            </a:r>
+            <a:endParaRPr lang="pl-PL" sz="1700" dirty="0">
+              <a:solidFill>
+                <a:schemeClr val="tx2">
+                  <a:lumMod val="50000"/>
+                </a:schemeClr>
+              </a:solidFill>
+            </a:endParaRPr>
           </a:p>
         </p:txBody>
       </p:sp>
     </p:spTree>
     <p:extLst>
       <p:ext uri="{BB962C8B-B14F-4D97-AF65-F5344CB8AC3E}">
-        <p14:creationId xmlns:p14="http://schemas.microsoft.com/office/powerpoint/2010/main" val="2805415959"/>
+        <p14:creationId xmlns:p14="http://schemas.microsoft.com/office/powerpoint/2010/main" val="242642360"/>
       </p:ext>
     </p:extLst>
   </p:cSld>
@@ -7289,10 +6849,9 @@
           <a:lstStyle/>
           <a:p>
             <a:r>
-              <a:rPr lang="pl-PL" dirty="0" err="1"/>
-              <a:t>Questions</a:t>
-            </a:r>
-            <a:endParaRPr lang="pl-PL" dirty="0"/>
+              <a:rPr lang="pl-PL" dirty="0"/>
+              <a:t>Links</a:t>
+            </a:r>
           </a:p>
         </p:txBody>
       </p:sp>
@@ -7319,14 +6878,141 @@
           </a:bodyPr>
           <a:lstStyle/>
           <a:p>
+            <a:r>
+              <a:rPr lang="pl-PL" sz="1700" dirty="0" err="1"/>
+              <a:t>decltype</a:t>
+            </a:r>
+            <a:r>
+              <a:rPr lang="pl-PL" sz="1700" dirty="0"/>
+              <a:t>(auto) - </a:t>
+            </a:r>
+            <a:r>
+              <a:rPr lang="pl-PL" sz="1700" dirty="0">
+                <a:hlinkClick r:id="rId2"/>
+              </a:rPr>
+              <a:t>https://stackoverflow.com/a/24109800/4175394</a:t>
+            </a:r>
             <a:endParaRPr lang="pl-PL" sz="1700" dirty="0"/>
+          </a:p>
+          <a:p>
+            <a:r>
+              <a:rPr lang="pl-PL" sz="1700" dirty="0" err="1"/>
+              <a:t>user</a:t>
+            </a:r>
+            <a:r>
+              <a:rPr lang="pl-PL" sz="1700" dirty="0"/>
+              <a:t> </a:t>
+            </a:r>
+            <a:r>
+              <a:rPr lang="pl-PL" sz="1700" dirty="0" err="1"/>
+              <a:t>defined</a:t>
+            </a:r>
+            <a:r>
+              <a:rPr lang="pl-PL" sz="1700" dirty="0"/>
+              <a:t> </a:t>
+            </a:r>
+            <a:r>
+              <a:rPr lang="pl-PL" sz="1700" dirty="0" err="1"/>
+              <a:t>literals</a:t>
+            </a:r>
+            <a:r>
+              <a:rPr lang="pl-PL" sz="1700" dirty="0"/>
+              <a:t> - </a:t>
+            </a:r>
+            <a:r>
+              <a:rPr lang="pl-PL" sz="1700" dirty="0">
+                <a:hlinkClick r:id="rId3"/>
+              </a:rPr>
+              <a:t>http://en.cppreference.com/w/cpp/language/user_literal</a:t>
+            </a:r>
+            <a:endParaRPr lang="pl-PL" sz="1700" dirty="0"/>
+          </a:p>
+          <a:p>
+            <a:r>
+              <a:rPr lang="pl-PL" sz="1700" dirty="0" err="1"/>
+              <a:t>deduction</a:t>
+            </a:r>
+            <a:r>
+              <a:rPr lang="pl-PL" sz="1700" dirty="0"/>
+              <a:t> </a:t>
+            </a:r>
+            <a:r>
+              <a:rPr lang="pl-PL" sz="1700" dirty="0" err="1"/>
+              <a:t>guides</a:t>
+            </a:r>
+            <a:r>
+              <a:rPr lang="pl-PL" sz="1700" dirty="0"/>
+              <a:t> - </a:t>
+            </a:r>
+            <a:r>
+              <a:rPr lang="pl-PL" sz="1700" dirty="0">
+                <a:hlinkClick r:id="rId4"/>
+              </a:rPr>
+              <a:t>http://en.cppreference.com/w/cpp/language/class_template_argument_deduction</a:t>
+            </a:r>
+            <a:endParaRPr lang="pl-PL" sz="1700" dirty="0"/>
+          </a:p>
+          <a:p>
+            <a:r>
+              <a:rPr lang="pl-PL" sz="1700" dirty="0" err="1"/>
+              <a:t>two-phase</a:t>
+            </a:r>
+            <a:r>
+              <a:rPr lang="pl-PL" sz="1700" dirty="0"/>
+              <a:t> </a:t>
+            </a:r>
+            <a:r>
+              <a:rPr lang="pl-PL" sz="1700" dirty="0" err="1"/>
+              <a:t>lookup</a:t>
+            </a:r>
+            <a:r>
+              <a:rPr lang="pl-PL" sz="1700" dirty="0"/>
+              <a:t> - </a:t>
+            </a:r>
+            <a:r>
+              <a:rPr lang="pl-PL" sz="1700" dirty="0">
+                <a:hlinkClick r:id="rId5"/>
+              </a:rPr>
+              <a:t>http://blog.llvm.org/2009/12/dreaded-two-phase-name-lookup.html</a:t>
+            </a:r>
+            <a:endParaRPr lang="pl-PL" sz="1700" dirty="0"/>
+          </a:p>
+          <a:p>
+            <a:r>
+              <a:rPr lang="pl-PL" sz="1700" dirty="0"/>
+              <a:t>… and </a:t>
+            </a:r>
+            <a:r>
+              <a:rPr lang="pl-PL" sz="1700" dirty="0" err="1"/>
+              <a:t>more</a:t>
+            </a:r>
+            <a:r>
+              <a:rPr lang="pl-PL" sz="1700" dirty="0"/>
+              <a:t>. </a:t>
+            </a:r>
+            <a:r>
+              <a:rPr lang="pl-PL" sz="1700" dirty="0" err="1"/>
+              <a:t>Check</a:t>
+            </a:r>
+            <a:r>
+              <a:rPr lang="pl-PL" sz="1700" dirty="0"/>
+              <a:t> the </a:t>
+            </a:r>
+            <a:r>
+              <a:rPr lang="pl-PL" sz="1700" dirty="0" err="1"/>
+              <a:t>code</a:t>
+            </a:r>
+            <a:r>
+              <a:rPr lang="pl-PL" sz="1700" dirty="0"/>
+              <a:t> (:</a:t>
+            </a:r>
           </a:p>
         </p:txBody>
       </p:sp>
     </p:spTree>
     <p:extLst>
       <p:ext uri="{BB962C8B-B14F-4D97-AF65-F5344CB8AC3E}">
-        <p14:creationId xmlns:p14="http://schemas.microsoft.com/office/powerpoint/2010/main" val="3330681429"/>
+        <p14:creationId xmlns:p14="http://schemas.microsoft.com/office/powerpoint/2010/main" val="2805415959"/>
       </p:ext>
     </p:extLst>
   </p:cSld>
@@ -7376,6 +7062,100 @@
           <a:p>
             <a:r>
               <a:rPr lang="pl-PL" dirty="0" err="1"/>
+              <a:t>Questions</a:t>
+            </a:r>
+            <a:r>
+              <a:rPr lang="pl-PL" dirty="0"/>
+              <a:t>/</a:t>
+            </a:r>
+            <a:r>
+              <a:rPr lang="pl-PL" dirty="0" err="1"/>
+              <a:t>discussion</a:t>
+            </a:r>
+            <a:endParaRPr lang="pl-PL" dirty="0"/>
+          </a:p>
+        </p:txBody>
+      </p:sp>
+      <p:sp>
+        <p:nvSpPr>
+          <p:cNvPr id="3" name="Symbol zastępczy zawartości 2">
+            <a:extLst>
+              <a:ext uri="{FF2B5EF4-FFF2-40B4-BE49-F238E27FC236}">
+                <a16:creationId xmlns:a16="http://schemas.microsoft.com/office/drawing/2014/main" id="{5EB3629E-E69D-43D5-8312-9B6DF3F264E5}"/>
+              </a:ext>
+            </a:extLst>
+          </p:cNvPr>
+          <p:cNvSpPr>
+            <a:spLocks noGrp="1"/>
+          </p:cNvSpPr>
+          <p:nvPr>
+            <p:ph idx="1"/>
+          </p:nvPr>
+        </p:nvSpPr>
+        <p:spPr/>
+        <p:txBody>
+          <a:bodyPr>
+            <a:normAutofit/>
+          </a:bodyPr>
+          <a:lstStyle/>
+          <a:p>
+            <a:endParaRPr lang="pl-PL" sz="1700" dirty="0"/>
+          </a:p>
+        </p:txBody>
+      </p:sp>
+    </p:spTree>
+    <p:extLst>
+      <p:ext uri="{BB962C8B-B14F-4D97-AF65-F5344CB8AC3E}">
+        <p14:creationId xmlns:p14="http://schemas.microsoft.com/office/powerpoint/2010/main" val="3330681429"/>
+      </p:ext>
+    </p:extLst>
+  </p:cSld>
+  <p:clrMapOvr>
+    <a:masterClrMapping/>
+  </p:clrMapOvr>
+</p:sld>
+</file>
+
+<file path=ppt/slides/slide15.xml><?xml version="1.0" encoding="utf-8"?>
+<p:sld xmlns:a="http://schemas.openxmlformats.org/drawingml/2006/main" xmlns:r="http://schemas.openxmlformats.org/officeDocument/2006/relationships" xmlns:p="http://schemas.openxmlformats.org/presentationml/2006/main">
+  <p:cSld>
+    <p:spTree>
+      <p:nvGrpSpPr>
+        <p:cNvPr id="1" name=""/>
+        <p:cNvGrpSpPr/>
+        <p:nvPr/>
+      </p:nvGrpSpPr>
+      <p:grpSpPr>
+        <a:xfrm>
+          <a:off x="0" y="0"/>
+          <a:ext cx="0" cy="0"/>
+          <a:chOff x="0" y="0"/>
+          <a:chExt cx="0" cy="0"/>
+        </a:xfrm>
+      </p:grpSpPr>
+      <p:sp>
+        <p:nvSpPr>
+          <p:cNvPr id="2" name="Tytuł 1">
+            <a:extLst>
+              <a:ext uri="{FF2B5EF4-FFF2-40B4-BE49-F238E27FC236}">
+                <a16:creationId xmlns:a16="http://schemas.microsoft.com/office/drawing/2014/main" id="{191A7FB7-D064-484C-B293-DDB980CE7B25}"/>
+              </a:ext>
+            </a:extLst>
+          </p:cNvPr>
+          <p:cNvSpPr>
+            <a:spLocks noGrp="1"/>
+          </p:cNvSpPr>
+          <p:nvPr>
+            <p:ph type="title"/>
+          </p:nvPr>
+        </p:nvSpPr>
+        <p:spPr/>
+        <p:txBody>
+          <a:bodyPr/>
+          <a:lstStyle/>
+          <a:p>
+            <a:r>
+              <a:rPr lang="pl-PL" dirty="0" err="1"/>
               <a:t>Code</a:t>
             </a:r>
             <a:r>
@@ -7466,7 +7246,7 @@
 </p:sld>
 </file>
 
-<file path=ppt/slides/slide15.xml><?xml version="1.0" encoding="utf-8"?>
+<file path=ppt/slides/slide16.xml><?xml version="1.0" encoding="utf-8"?>
 <p:sld xmlns:a="http://schemas.openxmlformats.org/drawingml/2006/main" xmlns:r="http://schemas.openxmlformats.org/officeDocument/2006/relationships" xmlns:p="http://schemas.openxmlformats.org/presentationml/2006/main">
   <p:cSld>
     <p:spTree>
@@ -7588,7 +7368,7 @@
           <p:cNvPr id="2" name="Tytuł 1">
             <a:extLst>
               <a:ext uri="{FF2B5EF4-FFF2-40B4-BE49-F238E27FC236}">
-                <a16:creationId xmlns:a16="http://schemas.microsoft.com/office/drawing/2014/main" id="{9C9A1E99-9FB8-441D-8ECA-FA901603DBF2}"/>
+                <a16:creationId xmlns:a16="http://schemas.microsoft.com/office/drawing/2014/main" id="{191A7FB7-D064-484C-B293-DDB980CE7B25}"/>
               </a:ext>
             </a:extLst>
           </p:cNvPr>
@@ -7596,49 +7376,27 @@
             <a:spLocks noGrp="1"/>
           </p:cNvSpPr>
           <p:nvPr>
-            <p:ph type="ctrTitle"/>
-          </p:nvPr>
-        </p:nvSpPr>
-        <p:spPr>
-          <a:xfrm>
-            <a:off x="1150935" y="1702428"/>
-            <a:ext cx="9879549" cy="1828801"/>
-          </a:xfrm>
-        </p:spPr>
+            <p:ph type="title"/>
+          </p:nvPr>
+        </p:nvSpPr>
+        <p:spPr/>
         <p:txBody>
           <a:bodyPr/>
           <a:lstStyle/>
           <a:p>
             <a:r>
-              <a:rPr lang="pl-PL" dirty="0" err="1"/>
-              <a:t>Compile-time</a:t>
-            </a:r>
-            <a:r>
               <a:rPr lang="pl-PL" dirty="0"/>
-              <a:t> </a:t>
-            </a:r>
-            <a:r>
-              <a:rPr lang="pl-PL" dirty="0" err="1"/>
-              <a:t>evaluation</a:t>
-            </a:r>
-            <a:r>
-              <a:rPr lang="pl-PL" dirty="0"/>
-              <a:t> </a:t>
-            </a:r>
-            <a:r>
-              <a:rPr lang="pl-PL" dirty="0" err="1"/>
-              <a:t>protips</a:t>
-            </a:r>
-            <a:endParaRPr lang="pl-PL" dirty="0"/>
-          </a:p>
-        </p:txBody>
-      </p:sp>
-      <p:sp>
-        <p:nvSpPr>
-          <p:cNvPr id="3" name="Podtytuł 2">
+              <a:t>Agenda</a:t>
+            </a:r>
+          </a:p>
+        </p:txBody>
+      </p:sp>
+      <p:sp>
+        <p:nvSpPr>
+          <p:cNvPr id="3" name="Symbol zastępczy zawartości 2">
             <a:extLst>
               <a:ext uri="{FF2B5EF4-FFF2-40B4-BE49-F238E27FC236}">
-                <a16:creationId xmlns:a16="http://schemas.microsoft.com/office/drawing/2014/main" id="{00195C91-BB16-4D15-8B2C-FA783107609D}"/>
+                <a16:creationId xmlns:a16="http://schemas.microsoft.com/office/drawing/2014/main" id="{5EB3629E-E69D-43D5-8312-9B6DF3F264E5}"/>
               </a:ext>
             </a:extLst>
           </p:cNvPr>
@@ -7646,7 +7404,7 @@
             <a:spLocks noGrp="1"/>
           </p:cNvSpPr>
           <p:nvPr>
-            <p:ph type="subTitle" idx="1"/>
+            <p:ph idx="1"/>
           </p:nvPr>
         </p:nvSpPr>
         <p:spPr/>
@@ -7656,15 +7414,70 @@
           <a:p>
             <a:r>
               <a:rPr lang="pl-PL" dirty="0"/>
-              <a:t>Mateusz Janek | 29.11.2017 | Wro.cpp</a:t>
-            </a:r>
+              <a:t>*</a:t>
+            </a:r>
+            <a:r>
+              <a:rPr lang="pl-PL" dirty="0" err="1"/>
+              <a:t>this</a:t>
+            </a:r>
+            <a:endParaRPr lang="pl-PL" dirty="0"/>
+          </a:p>
+          <a:p>
+            <a:r>
+              <a:rPr lang="pl-PL" dirty="0" err="1"/>
+              <a:t>ctai</a:t>
+            </a:r>
+            <a:r>
+              <a:rPr lang="pl-PL" dirty="0"/>
+              <a:t> </a:t>
+            </a:r>
+            <a:r>
+              <a:rPr lang="pl-PL" dirty="0" err="1"/>
+              <a:t>overview</a:t>
+            </a:r>
+            <a:endParaRPr lang="pl-PL" dirty="0"/>
+          </a:p>
+          <a:p>
+            <a:r>
+              <a:rPr lang="pl-PL" dirty="0" err="1"/>
+              <a:t>Protips</a:t>
+            </a:r>
+            <a:endParaRPr lang="pl-PL" dirty="0"/>
+          </a:p>
+          <a:p>
+            <a:r>
+              <a:rPr lang="pl-PL" dirty="0" err="1"/>
+              <a:t>Summary</a:t>
+            </a:r>
+            <a:endParaRPr lang="pl-PL" dirty="0"/>
+          </a:p>
+          <a:p>
+            <a:r>
+              <a:rPr lang="pl-PL" dirty="0"/>
+              <a:t>Links</a:t>
+            </a:r>
+          </a:p>
+          <a:p>
+            <a:r>
+              <a:rPr lang="pl-PL" dirty="0" err="1"/>
+              <a:t>Questions</a:t>
+            </a:r>
+            <a:r>
+              <a:rPr lang="pl-PL" dirty="0"/>
+              <a:t>/</a:t>
+            </a:r>
+            <a:r>
+              <a:rPr lang="pl-PL" dirty="0" err="1"/>
+              <a:t>discussion</a:t>
+            </a:r>
+            <a:endParaRPr lang="pl-PL" dirty="0"/>
           </a:p>
         </p:txBody>
       </p:sp>
     </p:spTree>
     <p:extLst>
       <p:ext uri="{BB962C8B-B14F-4D97-AF65-F5344CB8AC3E}">
-        <p14:creationId xmlns:p14="http://schemas.microsoft.com/office/powerpoint/2010/main" val="818156840"/>
+        <p14:creationId xmlns:p14="http://schemas.microsoft.com/office/powerpoint/2010/main" val="534319179"/>
       </p:ext>
     </p:extLst>
   </p:cSld>
@@ -7713,147 +7526,6 @@
           <a:lstStyle/>
           <a:p>
             <a:r>
-              <a:rPr lang="pl-PL" dirty="0"/>
-              <a:t>Agenda</a:t>
-            </a:r>
-          </a:p>
-        </p:txBody>
-      </p:sp>
-      <p:sp>
-        <p:nvSpPr>
-          <p:cNvPr id="3" name="Symbol zastępczy zawartości 2">
-            <a:extLst>
-              <a:ext uri="{FF2B5EF4-FFF2-40B4-BE49-F238E27FC236}">
-                <a16:creationId xmlns:a16="http://schemas.microsoft.com/office/drawing/2014/main" id="{5EB3629E-E69D-43D5-8312-9B6DF3F264E5}"/>
-              </a:ext>
-            </a:extLst>
-          </p:cNvPr>
-          <p:cNvSpPr>
-            <a:spLocks noGrp="1"/>
-          </p:cNvSpPr>
-          <p:nvPr>
-            <p:ph idx="1"/>
-          </p:nvPr>
-        </p:nvSpPr>
-        <p:spPr/>
-        <p:txBody>
-          <a:bodyPr/>
-          <a:lstStyle/>
-          <a:p>
-            <a:r>
-              <a:rPr lang="pl-PL" dirty="0"/>
-              <a:t>*</a:t>
-            </a:r>
-            <a:r>
-              <a:rPr lang="pl-PL" dirty="0" err="1"/>
-              <a:t>this</a:t>
-            </a:r>
-            <a:endParaRPr lang="pl-PL" dirty="0"/>
-          </a:p>
-          <a:p>
-            <a:r>
-              <a:rPr lang="pl-PL" dirty="0" err="1"/>
-              <a:t>ctai</a:t>
-            </a:r>
-            <a:r>
-              <a:rPr lang="pl-PL" dirty="0"/>
-              <a:t> </a:t>
-            </a:r>
-            <a:r>
-              <a:rPr lang="pl-PL" dirty="0" err="1"/>
-              <a:t>overview</a:t>
-            </a:r>
-            <a:endParaRPr lang="pl-PL" dirty="0"/>
-          </a:p>
-          <a:p>
-            <a:r>
-              <a:rPr lang="pl-PL" dirty="0" err="1"/>
-              <a:t>Protips</a:t>
-            </a:r>
-            <a:endParaRPr lang="pl-PL" dirty="0"/>
-          </a:p>
-          <a:p>
-            <a:r>
-              <a:rPr lang="pl-PL" dirty="0" err="1"/>
-              <a:t>Summary</a:t>
-            </a:r>
-            <a:endParaRPr lang="pl-PL" dirty="0"/>
-          </a:p>
-          <a:p>
-            <a:r>
-              <a:rPr lang="pl-PL" dirty="0"/>
-              <a:t>Links</a:t>
-            </a:r>
-          </a:p>
-          <a:p>
-            <a:r>
-              <a:rPr lang="pl-PL" dirty="0" err="1"/>
-              <a:t>Questions</a:t>
-            </a:r>
-            <a:r>
-              <a:rPr lang="pl-PL" dirty="0"/>
-              <a:t>/</a:t>
-            </a:r>
-            <a:r>
-              <a:rPr lang="pl-PL" dirty="0" err="1"/>
-              <a:t>discussion</a:t>
-            </a:r>
-            <a:endParaRPr lang="pl-PL" dirty="0"/>
-          </a:p>
-        </p:txBody>
-      </p:sp>
-    </p:spTree>
-    <p:extLst>
-      <p:ext uri="{BB962C8B-B14F-4D97-AF65-F5344CB8AC3E}">
-        <p14:creationId xmlns:p14="http://schemas.microsoft.com/office/powerpoint/2010/main" val="534319179"/>
-      </p:ext>
-    </p:extLst>
-  </p:cSld>
-  <p:clrMapOvr>
-    <a:masterClrMapping/>
-  </p:clrMapOvr>
-</p:sld>
-</file>
-
-<file path=ppt/slides/slide4.xml><?xml version="1.0" encoding="utf-8"?>
-<p:sld xmlns:a="http://schemas.openxmlformats.org/drawingml/2006/main" xmlns:r="http://schemas.openxmlformats.org/officeDocument/2006/relationships" xmlns:p="http://schemas.openxmlformats.org/presentationml/2006/main">
-  <p:cSld>
-    <p:spTree>
-      <p:nvGrpSpPr>
-        <p:cNvPr id="1" name=""/>
-        <p:cNvGrpSpPr/>
-        <p:nvPr/>
-      </p:nvGrpSpPr>
-      <p:grpSpPr>
-        <a:xfrm>
-          <a:off x="0" y="0"/>
-          <a:ext cx="0" cy="0"/>
-          <a:chOff x="0" y="0"/>
-          <a:chExt cx="0" cy="0"/>
-        </a:xfrm>
-      </p:grpSpPr>
-      <p:sp>
-        <p:nvSpPr>
-          <p:cNvPr id="2" name="Tytuł 1">
-            <a:extLst>
-              <a:ext uri="{FF2B5EF4-FFF2-40B4-BE49-F238E27FC236}">
-                <a16:creationId xmlns:a16="http://schemas.microsoft.com/office/drawing/2014/main" id="{191A7FB7-D064-484C-B293-DDB980CE7B25}"/>
-              </a:ext>
-            </a:extLst>
-          </p:cNvPr>
-          <p:cNvSpPr>
-            <a:spLocks noGrp="1"/>
-          </p:cNvSpPr>
-          <p:nvPr>
-            <p:ph type="title"/>
-          </p:nvPr>
-        </p:nvSpPr>
-        <p:spPr/>
-        <p:txBody>
-          <a:bodyPr/>
-          <a:lstStyle/>
-          <a:p>
-            <a:r>
               <a:rPr lang="pl-PL" dirty="0" err="1"/>
               <a:t>ctai</a:t>
             </a:r>
@@ -7902,7 +7574,7 @@
 </p:sld>
 </file>
 
-<file path=ppt/slides/slide5.xml><?xml version="1.0" encoding="utf-8"?>
+<file path=ppt/slides/slide4.xml><?xml version="1.0" encoding="utf-8"?>
 <p:sld xmlns:a="http://schemas.openxmlformats.org/drawingml/2006/main" xmlns:r="http://schemas.openxmlformats.org/officeDocument/2006/relationships" xmlns:p="http://schemas.openxmlformats.org/presentationml/2006/main">
   <p:cSld>
     <p:spTree>
@@ -7997,7 +7669,7 @@
 </p:sld>
 </file>
 
-<file path=ppt/slides/slide6.xml><?xml version="1.0" encoding="utf-8"?>
+<file path=ppt/slides/slide5.xml><?xml version="1.0" encoding="utf-8"?>
 <p:sld xmlns:a="http://schemas.openxmlformats.org/drawingml/2006/main" xmlns:r="http://schemas.openxmlformats.org/officeDocument/2006/relationships" xmlns:p="http://schemas.openxmlformats.org/presentationml/2006/main">
   <p:cSld>
     <p:spTree>
@@ -8127,7 +7799,7 @@
 </p:sld>
 </file>
 
-<file path=ppt/slides/slide7.xml><?xml version="1.0" encoding="utf-8"?>
+<file path=ppt/slides/slide6.xml><?xml version="1.0" encoding="utf-8"?>
 <p:sld xmlns:a="http://schemas.openxmlformats.org/drawingml/2006/main" xmlns:r="http://schemas.openxmlformats.org/officeDocument/2006/relationships" xmlns:p="http://schemas.openxmlformats.org/presentationml/2006/main">
   <p:cSld>
     <p:spTree>
@@ -8287,7 +7959,7 @@
 </p:sld>
 </file>
 
-<file path=ppt/slides/slide8.xml><?xml version="1.0" encoding="utf-8"?>
+<file path=ppt/slides/slide7.xml><?xml version="1.0" encoding="utf-8"?>
 <p:sld xmlns:a="http://schemas.openxmlformats.org/drawingml/2006/main" xmlns:r="http://schemas.openxmlformats.org/officeDocument/2006/relationships" xmlns:p="http://schemas.openxmlformats.org/presentationml/2006/main">
   <p:cSld>
     <p:spTree>
@@ -8477,7 +8149,7 @@
 </p:sld>
 </file>
 
-<file path=ppt/slides/slide9.xml><?xml version="1.0" encoding="utf-8"?>
+<file path=ppt/slides/slide8.xml><?xml version="1.0" encoding="utf-8"?>
 <p:sld xmlns:a="http://schemas.openxmlformats.org/drawingml/2006/main" xmlns:r="http://schemas.openxmlformats.org/officeDocument/2006/relationships" xmlns:p="http://schemas.openxmlformats.org/presentationml/2006/main">
   <p:cSld>
     <p:spTree>
@@ -9322,6 +8994,527 @@
     <p:extLst>
       <p:ext uri="{BB962C8B-B14F-4D97-AF65-F5344CB8AC3E}">
         <p14:creationId xmlns:p14="http://schemas.microsoft.com/office/powerpoint/2010/main" val="478203427"/>
+      </p:ext>
+    </p:extLst>
+  </p:cSld>
+  <p:clrMapOvr>
+    <a:masterClrMapping/>
+  </p:clrMapOvr>
+</p:sld>
+</file>
+
+<file path=ppt/slides/slide9.xml><?xml version="1.0" encoding="utf-8"?>
+<p:sld xmlns:a="http://schemas.openxmlformats.org/drawingml/2006/main" xmlns:r="http://schemas.openxmlformats.org/officeDocument/2006/relationships" xmlns:p="http://schemas.openxmlformats.org/presentationml/2006/main">
+  <p:cSld>
+    <p:spTree>
+      <p:nvGrpSpPr>
+        <p:cNvPr id="1" name=""/>
+        <p:cNvGrpSpPr/>
+        <p:nvPr/>
+      </p:nvGrpSpPr>
+      <p:grpSpPr>
+        <a:xfrm>
+          <a:off x="0" y="0"/>
+          <a:ext cx="0" cy="0"/>
+          <a:chOff x="0" y="0"/>
+          <a:chExt cx="0" cy="0"/>
+        </a:xfrm>
+      </p:grpSpPr>
+      <p:sp>
+        <p:nvSpPr>
+          <p:cNvPr id="9" name="Tytuł 8">
+            <a:extLst>
+              <a:ext uri="{FF2B5EF4-FFF2-40B4-BE49-F238E27FC236}">
+                <a16:creationId xmlns:a16="http://schemas.microsoft.com/office/drawing/2014/main" id="{51C07B6B-B86B-47C7-AE26-2D4E2EF51147}"/>
+              </a:ext>
+            </a:extLst>
+          </p:cNvPr>
+          <p:cNvSpPr>
+            <a:spLocks noGrp="1"/>
+          </p:cNvSpPr>
+          <p:nvPr>
+            <p:ph type="title"/>
+          </p:nvPr>
+        </p:nvSpPr>
+        <p:spPr/>
+        <p:txBody>
+          <a:bodyPr/>
+          <a:lstStyle/>
+          <a:p>
+            <a:r>
+              <a:rPr lang="pl-PL" dirty="0"/>
+              <a:t>Architecture</a:t>
+            </a:r>
+          </a:p>
+        </p:txBody>
+      </p:sp>
+      <p:sp>
+        <p:nvSpPr>
+          <p:cNvPr id="2" name="Prostokąt: zaokrąglone rogi 1">
+            <a:extLst>
+              <a:ext uri="{FF2B5EF4-FFF2-40B4-BE49-F238E27FC236}">
+                <a16:creationId xmlns:a16="http://schemas.microsoft.com/office/drawing/2014/main" id="{3872A3F1-47FB-475E-A489-DD592BC469DF}"/>
+              </a:ext>
+            </a:extLst>
+          </p:cNvPr>
+          <p:cNvSpPr/>
+          <p:nvPr/>
+        </p:nvSpPr>
+        <p:spPr>
+          <a:xfrm>
+            <a:off x="860140" y="1580050"/>
+            <a:ext cx="10461072" cy="4613945"/>
+          </a:xfrm>
+          <a:prstGeom prst="roundRect">
+            <a:avLst/>
+          </a:prstGeom>
+        </p:spPr>
+        <p:style>
+          <a:lnRef idx="2">
+            <a:schemeClr val="accent1">
+              <a:shade val="50000"/>
+            </a:schemeClr>
+          </a:lnRef>
+          <a:fillRef idx="1">
+            <a:schemeClr val="accent1"/>
+          </a:fillRef>
+          <a:effectRef idx="0">
+            <a:schemeClr val="accent1"/>
+          </a:effectRef>
+          <a:fontRef idx="minor">
+            <a:schemeClr val="lt1"/>
+          </a:fontRef>
+        </p:style>
+        <p:txBody>
+          <a:bodyPr rtlCol="0" anchor="ctr"/>
+          <a:lstStyle/>
+          <a:p>
+            <a:pPr algn="ctr"/>
+            <a:endParaRPr lang="pl-PL" dirty="0"/>
+          </a:p>
+        </p:txBody>
+      </p:sp>
+      <p:sp>
+        <p:nvSpPr>
+          <p:cNvPr id="3" name="pole tekstowe 2">
+            <a:extLst>
+              <a:ext uri="{FF2B5EF4-FFF2-40B4-BE49-F238E27FC236}">
+                <a16:creationId xmlns:a16="http://schemas.microsoft.com/office/drawing/2014/main" id="{EAF52FFF-1E18-4224-8E6D-51D7A4015CFE}"/>
+              </a:ext>
+            </a:extLst>
+          </p:cNvPr>
+          <p:cNvSpPr txBox="1"/>
+          <p:nvPr/>
+        </p:nvSpPr>
+        <p:spPr>
+          <a:xfrm>
+            <a:off x="3078759" y="1580050"/>
+            <a:ext cx="2034981" cy="523220"/>
+          </a:xfrm>
+          <a:prstGeom prst="rect">
+            <a:avLst/>
+          </a:prstGeom>
+          <a:noFill/>
+        </p:spPr>
+        <p:txBody>
+          <a:bodyPr wrap="none" rtlCol="0">
+            <a:spAutoFit/>
+          </a:bodyPr>
+          <a:lstStyle/>
+          <a:p>
+            <a:r>
+              <a:rPr lang="pl-PL" sz="2800" b="1" dirty="0">
+                <a:solidFill>
+                  <a:schemeClr val="accent6">
+                    <a:lumMod val="50000"/>
+                  </a:schemeClr>
+                </a:solidFill>
+              </a:rPr>
+              <a:t>MACHINE</a:t>
+            </a:r>
+          </a:p>
+        </p:txBody>
+      </p:sp>
+      <p:sp>
+        <p:nvSpPr>
+          <p:cNvPr id="4" name="Prostokąt 3">
+            <a:extLst>
+              <a:ext uri="{FF2B5EF4-FFF2-40B4-BE49-F238E27FC236}">
+                <a16:creationId xmlns:a16="http://schemas.microsoft.com/office/drawing/2014/main" id="{A1D2E951-7D59-451D-8F16-C344015EF321}"/>
+              </a:ext>
+            </a:extLst>
+          </p:cNvPr>
+          <p:cNvSpPr/>
+          <p:nvPr/>
+        </p:nvSpPr>
+        <p:spPr>
+          <a:xfrm>
+            <a:off x="1510017" y="2442141"/>
+            <a:ext cx="6644081" cy="2927758"/>
+          </a:xfrm>
+          <a:prstGeom prst="rect">
+            <a:avLst/>
+          </a:prstGeom>
+        </p:spPr>
+        <p:style>
+          <a:lnRef idx="2">
+            <a:schemeClr val="accent3">
+              <a:shade val="50000"/>
+            </a:schemeClr>
+          </a:lnRef>
+          <a:fillRef idx="1">
+            <a:schemeClr val="accent3"/>
+          </a:fillRef>
+          <a:effectRef idx="0">
+            <a:schemeClr val="accent3"/>
+          </a:effectRef>
+          <a:fontRef idx="minor">
+            <a:schemeClr val="lt1"/>
+          </a:fontRef>
+        </p:style>
+        <p:txBody>
+          <a:bodyPr rtlCol="0" anchor="ctr"/>
+          <a:lstStyle/>
+          <a:p>
+            <a:pPr algn="ctr"/>
+            <a:endParaRPr lang="pl-PL"/>
+          </a:p>
+        </p:txBody>
+      </p:sp>
+      <p:sp>
+        <p:nvSpPr>
+          <p:cNvPr id="5" name="pole tekstowe 4">
+            <a:extLst>
+              <a:ext uri="{FF2B5EF4-FFF2-40B4-BE49-F238E27FC236}">
+                <a16:creationId xmlns:a16="http://schemas.microsoft.com/office/drawing/2014/main" id="{14DD404E-8F2D-4A86-A2CE-15A5BCC470A3}"/>
+              </a:ext>
+            </a:extLst>
+          </p:cNvPr>
+          <p:cNvSpPr txBox="1"/>
+          <p:nvPr/>
+        </p:nvSpPr>
+        <p:spPr>
+          <a:xfrm>
+            <a:off x="1510017" y="2442141"/>
+            <a:ext cx="753732" cy="369332"/>
+          </a:xfrm>
+          <a:prstGeom prst="rect">
+            <a:avLst/>
+          </a:prstGeom>
+          <a:noFill/>
+        </p:spPr>
+        <p:txBody>
+          <a:bodyPr wrap="none" rtlCol="0">
+            <a:spAutoFit/>
+          </a:bodyPr>
+          <a:lstStyle/>
+          <a:p>
+            <a:r>
+              <a:rPr lang="pl-PL" b="1" dirty="0">
+                <a:solidFill>
+                  <a:schemeClr val="accent6">
+                    <a:lumMod val="50000"/>
+                  </a:schemeClr>
+                </a:solidFill>
+              </a:rPr>
+              <a:t>RAM</a:t>
+            </a:r>
+          </a:p>
+        </p:txBody>
+      </p:sp>
+      <p:sp>
+        <p:nvSpPr>
+          <p:cNvPr id="6" name="Prostokąt 5">
+            <a:extLst>
+              <a:ext uri="{FF2B5EF4-FFF2-40B4-BE49-F238E27FC236}">
+                <a16:creationId xmlns:a16="http://schemas.microsoft.com/office/drawing/2014/main" id="{7539B96D-4ED5-4E8D-97F8-B5C44E553822}"/>
+              </a:ext>
+            </a:extLst>
+          </p:cNvPr>
+          <p:cNvSpPr/>
+          <p:nvPr/>
+        </p:nvSpPr>
+        <p:spPr>
+          <a:xfrm>
+            <a:off x="8338657" y="2442141"/>
+            <a:ext cx="629174" cy="302250"/>
+          </a:xfrm>
+          <a:prstGeom prst="rect">
+            <a:avLst/>
+          </a:prstGeom>
+        </p:spPr>
+        <p:style>
+          <a:lnRef idx="3">
+            <a:schemeClr val="lt1"/>
+          </a:lnRef>
+          <a:fillRef idx="1">
+            <a:schemeClr val="accent2"/>
+          </a:fillRef>
+          <a:effectRef idx="1">
+            <a:schemeClr val="accent2"/>
+          </a:effectRef>
+          <a:fontRef idx="minor">
+            <a:schemeClr val="lt1"/>
+          </a:fontRef>
+        </p:style>
+        <p:txBody>
+          <a:bodyPr rtlCol="0" anchor="ctr"/>
+          <a:lstStyle/>
+          <a:p>
+            <a:pPr algn="ctr"/>
+            <a:r>
+              <a:rPr lang="pl-PL" b="1" dirty="0">
+                <a:solidFill>
+                  <a:schemeClr val="accent6">
+                    <a:lumMod val="50000"/>
+                  </a:schemeClr>
+                </a:solidFill>
+              </a:rPr>
+              <a:t>ZF</a:t>
+            </a:r>
+          </a:p>
+        </p:txBody>
+      </p:sp>
+      <p:sp>
+        <p:nvSpPr>
+          <p:cNvPr id="7" name="Prostokąt 6">
+            <a:extLst>
+              <a:ext uri="{FF2B5EF4-FFF2-40B4-BE49-F238E27FC236}">
+                <a16:creationId xmlns:a16="http://schemas.microsoft.com/office/drawing/2014/main" id="{478F1206-956F-4775-B5B3-1052EA3A330B}"/>
+              </a:ext>
+            </a:extLst>
+          </p:cNvPr>
+          <p:cNvSpPr/>
+          <p:nvPr/>
+        </p:nvSpPr>
+        <p:spPr>
+          <a:xfrm>
+            <a:off x="9227284" y="2442141"/>
+            <a:ext cx="1481533" cy="2927758"/>
+          </a:xfrm>
+          <a:prstGeom prst="rect">
+            <a:avLst/>
+          </a:prstGeom>
+        </p:spPr>
+        <p:style>
+          <a:lnRef idx="2">
+            <a:schemeClr val="accent6">
+              <a:shade val="50000"/>
+            </a:schemeClr>
+          </a:lnRef>
+          <a:fillRef idx="1">
+            <a:schemeClr val="accent6"/>
+          </a:fillRef>
+          <a:effectRef idx="0">
+            <a:schemeClr val="accent6"/>
+          </a:effectRef>
+          <a:fontRef idx="minor">
+            <a:schemeClr val="lt1"/>
+          </a:fontRef>
+        </p:style>
+        <p:txBody>
+          <a:bodyPr rtlCol="0" anchor="ctr"/>
+          <a:lstStyle/>
+          <a:p>
+            <a:pPr algn="ctr"/>
+            <a:endParaRPr lang="pl-PL" dirty="0"/>
+          </a:p>
+        </p:txBody>
+      </p:sp>
+      <p:sp>
+        <p:nvSpPr>
+          <p:cNvPr id="8" name="pole tekstowe 7">
+            <a:extLst>
+              <a:ext uri="{FF2B5EF4-FFF2-40B4-BE49-F238E27FC236}">
+                <a16:creationId xmlns:a16="http://schemas.microsoft.com/office/drawing/2014/main" id="{03E910C5-8B44-4893-8732-780714A511E7}"/>
+              </a:ext>
+            </a:extLst>
+          </p:cNvPr>
+          <p:cNvSpPr txBox="1"/>
+          <p:nvPr/>
+        </p:nvSpPr>
+        <p:spPr>
+          <a:xfrm>
+            <a:off x="9227284" y="2434697"/>
+            <a:ext cx="1523174" cy="2585323"/>
+          </a:xfrm>
+          <a:prstGeom prst="rect">
+            <a:avLst/>
+          </a:prstGeom>
+          <a:noFill/>
+        </p:spPr>
+        <p:txBody>
+          <a:bodyPr wrap="none" rtlCol="0">
+            <a:spAutoFit/>
+          </a:bodyPr>
+          <a:lstStyle/>
+          <a:p>
+            <a:r>
+              <a:rPr lang="pl-PL" b="1" dirty="0">
+                <a:solidFill>
+                  <a:schemeClr val="accent6">
+                    <a:lumMod val="50000"/>
+                  </a:schemeClr>
+                </a:solidFill>
+              </a:rPr>
+              <a:t>REGISTERS</a:t>
+            </a:r>
+          </a:p>
+          <a:p>
+            <a:endParaRPr lang="pl-PL" b="1" dirty="0">
+              <a:solidFill>
+                <a:schemeClr val="accent6">
+                  <a:lumMod val="50000"/>
+                </a:schemeClr>
+              </a:solidFill>
+            </a:endParaRPr>
+          </a:p>
+          <a:p>
+            <a:pPr algn="ctr"/>
+            <a:r>
+              <a:rPr lang="pl-PL" b="1" dirty="0" err="1">
+                <a:solidFill>
+                  <a:schemeClr val="accent6">
+                    <a:lumMod val="50000"/>
+                  </a:schemeClr>
+                </a:solidFill>
+              </a:rPr>
+              <a:t>eax</a:t>
+            </a:r>
+            <a:endParaRPr lang="pl-PL" b="1" dirty="0">
+              <a:solidFill>
+                <a:schemeClr val="accent6">
+                  <a:lumMod val="50000"/>
+                </a:schemeClr>
+              </a:solidFill>
+            </a:endParaRPr>
+          </a:p>
+          <a:p>
+            <a:pPr algn="ctr"/>
+            <a:r>
+              <a:rPr lang="pl-PL" b="1" dirty="0" err="1">
+                <a:solidFill>
+                  <a:schemeClr val="accent6">
+                    <a:lumMod val="50000"/>
+                  </a:schemeClr>
+                </a:solidFill>
+              </a:rPr>
+              <a:t>ebx</a:t>
+            </a:r>
+            <a:endParaRPr lang="pl-PL" b="1" dirty="0">
+              <a:solidFill>
+                <a:schemeClr val="accent6">
+                  <a:lumMod val="50000"/>
+                </a:schemeClr>
+              </a:solidFill>
+            </a:endParaRPr>
+          </a:p>
+          <a:p>
+            <a:pPr algn="ctr"/>
+            <a:r>
+              <a:rPr lang="pl-PL" b="1" dirty="0" err="1">
+                <a:solidFill>
+                  <a:schemeClr val="accent6">
+                    <a:lumMod val="50000"/>
+                  </a:schemeClr>
+                </a:solidFill>
+              </a:rPr>
+              <a:t>ecx</a:t>
+            </a:r>
+            <a:endParaRPr lang="pl-PL" b="1" dirty="0">
+              <a:solidFill>
+                <a:schemeClr val="accent6">
+                  <a:lumMod val="50000"/>
+                </a:schemeClr>
+              </a:solidFill>
+            </a:endParaRPr>
+          </a:p>
+          <a:p>
+            <a:pPr algn="ctr"/>
+            <a:r>
+              <a:rPr lang="pl-PL" b="1" dirty="0" err="1">
+                <a:solidFill>
+                  <a:schemeClr val="accent6">
+                    <a:lumMod val="50000"/>
+                  </a:schemeClr>
+                </a:solidFill>
+              </a:rPr>
+              <a:t>edx</a:t>
+            </a:r>
+            <a:endParaRPr lang="pl-PL" b="1" dirty="0">
+              <a:solidFill>
+                <a:schemeClr val="accent6">
+                  <a:lumMod val="50000"/>
+                </a:schemeClr>
+              </a:solidFill>
+            </a:endParaRPr>
+          </a:p>
+          <a:p>
+            <a:pPr algn="ctr"/>
+            <a:r>
+              <a:rPr lang="pl-PL" b="1" dirty="0" err="1">
+                <a:solidFill>
+                  <a:schemeClr val="accent6">
+                    <a:lumMod val="50000"/>
+                  </a:schemeClr>
+                </a:solidFill>
+              </a:rPr>
+              <a:t>ebp</a:t>
+            </a:r>
+            <a:endParaRPr lang="pl-PL" b="1" dirty="0">
+              <a:solidFill>
+                <a:schemeClr val="accent6">
+                  <a:lumMod val="50000"/>
+                </a:schemeClr>
+              </a:solidFill>
+            </a:endParaRPr>
+          </a:p>
+          <a:p>
+            <a:pPr algn="ctr"/>
+            <a:r>
+              <a:rPr lang="pl-PL" b="1" dirty="0" err="1">
+                <a:solidFill>
+                  <a:schemeClr val="accent6">
+                    <a:lumMod val="50000"/>
+                  </a:schemeClr>
+                </a:solidFill>
+              </a:rPr>
+              <a:t>esp</a:t>
+            </a:r>
+            <a:endParaRPr lang="pl-PL" b="1" dirty="0">
+              <a:solidFill>
+                <a:schemeClr val="accent6">
+                  <a:lumMod val="50000"/>
+                </a:schemeClr>
+              </a:solidFill>
+            </a:endParaRPr>
+          </a:p>
+          <a:p>
+            <a:pPr algn="ctr"/>
+            <a:r>
+              <a:rPr lang="pl-PL" b="1" dirty="0" err="1">
+                <a:solidFill>
+                  <a:schemeClr val="accent6">
+                    <a:lumMod val="50000"/>
+                  </a:schemeClr>
+                </a:solidFill>
+              </a:rPr>
+              <a:t>eip</a:t>
+            </a:r>
+            <a:endParaRPr lang="pl-PL" b="1" dirty="0">
+              <a:solidFill>
+                <a:schemeClr val="accent6">
+                  <a:lumMod val="50000"/>
+                </a:schemeClr>
+              </a:solidFill>
+            </a:endParaRPr>
+          </a:p>
+        </p:txBody>
+      </p:sp>
+    </p:spTree>
+    <p:extLst>
+      <p:ext uri="{BB962C8B-B14F-4D97-AF65-F5344CB8AC3E}">
+        <p14:creationId xmlns:p14="http://schemas.microsoft.com/office/powerpoint/2010/main" val="2385690159"/>
       </p:ext>
     </p:extLst>
   </p:cSld>

--- a/ctai-compile_time_assembly_interpreter.pptx
+++ b/ctai-compile_time_assembly_interpreter.pptx
@@ -21,8 +21,8 @@
     <p:sldId id="275" r:id="rId12"/>
     <p:sldId id="276" r:id="rId13"/>
     <p:sldId id="270" r:id="rId14"/>
-    <p:sldId id="272" r:id="rId15"/>
-    <p:sldId id="271" r:id="rId16"/>
+    <p:sldId id="271" r:id="rId15"/>
+    <p:sldId id="272" r:id="rId16"/>
     <p:sldId id="264" r:id="rId17"/>
   </p:sldIdLst>
   <p:sldSz cx="12192000" cy="6858000"/>
@@ -216,7 +216,7 @@
           <a:p>
             <a:fld id="{0354D649-3166-4642-8FF1-8704FB462AF1}" type="datetimeFigureOut">
               <a:rPr lang="pl-PL" smtClean="0"/>
-              <a:t>26.11.2017</a:t>
+              <a:t>29.11.2017</a:t>
             </a:fld>
             <a:endParaRPr lang="pl-PL"/>
           </a:p>
@@ -669,7 +669,7 @@
             <a:fld id="{8E36636D-D922-432D-A958-524484B5923D}" type="datetimeFigureOut">
               <a:rPr lang="en-US" dirty="0"/>
               <a:pPr/>
-              <a:t>11/26/2017</a:t>
+              <a:t>11/29/2017</a:t>
             </a:fld>
             <a:endParaRPr lang="en-US" dirty="0"/>
           </a:p>
@@ -963,7 +963,7 @@
           <a:p>
             <a:fld id="{48A87A34-81AB-432B-8DAE-1953F412C126}" type="datetimeFigureOut">
               <a:rPr lang="en-US" dirty="0"/>
-              <a:t>11/26/2017</a:t>
+              <a:t>11/29/2017</a:t>
             </a:fld>
             <a:endParaRPr lang="en-US" dirty="0"/>
           </a:p>
@@ -1150,7 +1150,7 @@
           <a:p>
             <a:fld id="{48A87A34-81AB-432B-8DAE-1953F412C126}" type="datetimeFigureOut">
               <a:rPr lang="en-US" dirty="0"/>
-              <a:t>11/26/2017</a:t>
+              <a:t>11/29/2017</a:t>
             </a:fld>
             <a:endParaRPr lang="en-US" dirty="0"/>
           </a:p>
@@ -1406,7 +1406,7 @@
           <a:p>
             <a:fld id="{48A87A34-81AB-432B-8DAE-1953F412C126}" type="datetimeFigureOut">
               <a:rPr lang="en-US" dirty="0"/>
-              <a:t>11/26/2017</a:t>
+              <a:t>11/29/2017</a:t>
             </a:fld>
             <a:endParaRPr lang="en-US" dirty="0"/>
           </a:p>
@@ -1825,7 +1825,7 @@
           <a:p>
             <a:fld id="{48A87A34-81AB-432B-8DAE-1953F412C126}" type="datetimeFigureOut">
               <a:rPr lang="en-US" dirty="0"/>
-              <a:t>11/26/2017</a:t>
+              <a:t>11/29/2017</a:t>
             </a:fld>
             <a:endParaRPr lang="en-US" dirty="0"/>
           </a:p>
@@ -2357,7 +2357,7 @@
           <a:p>
             <a:fld id="{48A87A34-81AB-432B-8DAE-1953F412C126}" type="datetimeFigureOut">
               <a:rPr lang="en-US" dirty="0"/>
-              <a:t>11/26/2017</a:t>
+              <a:t>11/29/2017</a:t>
             </a:fld>
             <a:endParaRPr lang="en-US" dirty="0"/>
           </a:p>
@@ -3216,7 +3216,7 @@
           <a:p>
             <a:fld id="{48A87A34-81AB-432B-8DAE-1953F412C126}" type="datetimeFigureOut">
               <a:rPr lang="en-US" dirty="0"/>
-              <a:t>11/26/2017</a:t>
+              <a:t>11/29/2017</a:t>
             </a:fld>
             <a:endParaRPr lang="en-US" dirty="0"/>
           </a:p>
@@ -3382,7 +3382,7 @@
             <a:fld id="{8E36636D-D922-432D-A958-524484B5923D}" type="datetimeFigureOut">
               <a:rPr lang="en-US" dirty="0"/>
               <a:pPr/>
-              <a:t>11/26/2017</a:t>
+              <a:t>11/29/2017</a:t>
             </a:fld>
             <a:endParaRPr lang="en-US" dirty="0"/>
           </a:p>
@@ -3563,7 +3563,7 @@
             <a:fld id="{8E36636D-D922-432D-A958-524484B5923D}" type="datetimeFigureOut">
               <a:rPr lang="en-US" dirty="0"/>
               <a:pPr/>
-              <a:t>11/26/2017</a:t>
+              <a:t>11/29/2017</a:t>
             </a:fld>
             <a:endParaRPr lang="en-US" dirty="0"/>
           </a:p>
@@ -3730,7 +3730,7 @@
             <a:fld id="{8E36636D-D922-432D-A958-524484B5923D}" type="datetimeFigureOut">
               <a:rPr lang="en-US" dirty="0"/>
               <a:pPr/>
-              <a:t>11/26/2017</a:t>
+              <a:t>11/29/2017</a:t>
             </a:fld>
             <a:endParaRPr lang="en-US" dirty="0"/>
           </a:p>
@@ -3971,7 +3971,7 @@
             <a:fld id="{8E36636D-D922-432D-A958-524484B5923D}" type="datetimeFigureOut">
               <a:rPr lang="en-US" dirty="0"/>
               <a:pPr/>
-              <a:t>11/26/2017</a:t>
+              <a:t>11/29/2017</a:t>
             </a:fld>
             <a:endParaRPr lang="en-US" dirty="0"/>
           </a:p>
@@ -4204,7 +4204,7 @@
             <a:fld id="{8E36636D-D922-432D-A958-524484B5923D}" type="datetimeFigureOut">
               <a:rPr lang="en-US" dirty="0"/>
               <a:pPr/>
-              <a:t>11/26/2017</a:t>
+              <a:t>11/29/2017</a:t>
             </a:fld>
             <a:endParaRPr lang="en-US" dirty="0"/>
           </a:p>
@@ -4667,7 +4667,7 @@
             <a:fld id="{8E36636D-D922-432D-A958-524484B5923D}" type="datetimeFigureOut">
               <a:rPr lang="en-US" dirty="0"/>
               <a:pPr/>
-              <a:t>11/26/2017</a:t>
+              <a:t>11/29/2017</a:t>
             </a:fld>
             <a:endParaRPr lang="en-US" dirty="0"/>
           </a:p>
@@ -4782,7 +4782,7 @@
             <a:fld id="{8E36636D-D922-432D-A958-524484B5923D}" type="datetimeFigureOut">
               <a:rPr lang="en-US" dirty="0"/>
               <a:pPr/>
-              <a:t>11/26/2017</a:t>
+              <a:t>11/29/2017</a:t>
             </a:fld>
             <a:endParaRPr lang="en-US" dirty="0"/>
           </a:p>
@@ -4874,7 +4874,7 @@
             <a:fld id="{8E36636D-D922-432D-A958-524484B5923D}" type="datetimeFigureOut">
               <a:rPr lang="en-US" dirty="0"/>
               <a:pPr/>
-              <a:t>11/26/2017</a:t>
+              <a:t>11/29/2017</a:t>
             </a:fld>
             <a:endParaRPr lang="en-US" dirty="0"/>
           </a:p>
@@ -5126,7 +5126,7 @@
             <a:fld id="{8E36636D-D922-432D-A958-524484B5923D}" type="datetimeFigureOut">
               <a:rPr lang="en-US" dirty="0"/>
               <a:pPr/>
-              <a:t>11/26/2017</a:t>
+              <a:t>11/29/2017</a:t>
             </a:fld>
             <a:endParaRPr lang="en-US" dirty="0"/>
           </a:p>
@@ -5423,7 +5423,7 @@
             <a:fld id="{8E36636D-D922-432D-A958-524484B5923D}" type="datetimeFigureOut">
               <a:rPr lang="en-US" dirty="0"/>
               <a:pPr/>
-              <a:t>11/26/2017</a:t>
+              <a:t>11/29/2017</a:t>
             </a:fld>
             <a:endParaRPr lang="en-US" dirty="0"/>
           </a:p>
@@ -5654,7 +5654,7 @@
             <a:fld id="{8E36636D-D922-432D-A958-524484B5923D}" type="datetimeFigureOut">
               <a:rPr lang="en-US" dirty="0"/>
               <a:pPr/>
-              <a:t>11/26/2017</a:t>
+              <a:t>11/29/2017</a:t>
             </a:fld>
             <a:endParaRPr lang="en-US" dirty="0"/>
           </a:p>
@@ -6401,14 +6401,19 @@
             <p:ph type="subTitle" idx="1"/>
           </p:nvPr>
         </p:nvSpPr>
-        <p:spPr/>
+        <p:spPr>
+          <a:xfrm>
+            <a:off x="1370693" y="3598339"/>
+            <a:ext cx="9440034" cy="1049867"/>
+          </a:xfrm>
+        </p:spPr>
         <p:txBody>
           <a:bodyPr/>
           <a:lstStyle/>
           <a:p>
             <a:r>
               <a:rPr lang="pl-PL" dirty="0"/>
-              <a:t>Mateusz Janek | 29.11.2017 | Wro.cpp</a:t>
+              <a:t>Mateusz Janek &lt;mateusz.janek6@gmail.com&gt; | Wro.cpp| 29.11.2017</a:t>
             </a:r>
           </a:p>
         </p:txBody>
@@ -6468,7 +6473,15 @@
           <a:p>
             <a:r>
               <a:rPr lang="pl-PL" dirty="0" err="1"/>
-              <a:t>Algorithm</a:t>
+              <a:t>ctai</a:t>
+            </a:r>
+            <a:r>
+              <a:rPr lang="pl-PL" dirty="0"/>
+              <a:t> </a:t>
+            </a:r>
+            <a:r>
+              <a:rPr lang="pl-PL" dirty="0" err="1"/>
+              <a:t>code</a:t>
             </a:r>
             <a:endParaRPr lang="pl-PL" dirty="0"/>
           </a:p>
@@ -7062,15 +7075,15 @@
           <a:p>
             <a:r>
               <a:rPr lang="pl-PL" dirty="0" err="1"/>
-              <a:t>Questions</a:t>
+              <a:t>Code</a:t>
             </a:r>
             <a:r>
               <a:rPr lang="pl-PL" dirty="0"/>
-              <a:t>/</a:t>
+              <a:t> &amp; </a:t>
             </a:r>
             <a:r>
               <a:rPr lang="pl-PL" dirty="0" err="1"/>
-              <a:t>discussion</a:t>
+              <a:t>presentation</a:t>
             </a:r>
             <a:endParaRPr lang="pl-PL" dirty="0"/>
           </a:p>
@@ -7092,21 +7105,129 @@
             <p:ph idx="1"/>
           </p:nvPr>
         </p:nvSpPr>
-        <p:spPr/>
+        <p:spPr>
+          <a:xfrm>
+            <a:off x="913795" y="1732449"/>
+            <a:ext cx="10353762" cy="4058751"/>
+          </a:xfrm>
+        </p:spPr>
         <p:txBody>
           <a:bodyPr>
             <a:normAutofit/>
           </a:bodyPr>
           <a:lstStyle/>
           <a:p>
-            <a:endParaRPr lang="pl-PL" sz="1700" dirty="0"/>
-          </a:p>
-        </p:txBody>
-      </p:sp>
+            <a:pPr marL="36900" indent="0" algn="ctr">
+              <a:buNone/>
+            </a:pPr>
+            <a:endParaRPr lang="pl-PL" sz="2800" dirty="0">
+              <a:hlinkClick r:id="rId2" action="ppaction://hlinkfile"/>
+            </a:endParaRPr>
+          </a:p>
+          <a:p>
+            <a:pPr marL="36900" indent="0" algn="ctr">
+              <a:buNone/>
+            </a:pPr>
+            <a:endParaRPr lang="pl-PL" sz="2800" dirty="0">
+              <a:hlinkClick r:id="rId2" action="ppaction://hlinkfile"/>
+            </a:endParaRPr>
+          </a:p>
+          <a:p>
+            <a:pPr marL="36900" indent="0" algn="ctr">
+              <a:buNone/>
+            </a:pPr>
+            <a:endParaRPr lang="pl-PL" sz="2800" dirty="0">
+              <a:hlinkClick r:id="rId2" action="ppaction://hlinkfile"/>
+            </a:endParaRPr>
+          </a:p>
+          <a:p>
+            <a:pPr marL="36900" indent="0" algn="ctr">
+              <a:buNone/>
+            </a:pPr>
+            <a:endParaRPr lang="pl-PL" sz="2800" dirty="0">
+              <a:hlinkClick r:id="rId2" action="ppaction://hlinkfile"/>
+            </a:endParaRPr>
+          </a:p>
+          <a:p>
+            <a:pPr marL="36900" indent="0" algn="ctr">
+              <a:buNone/>
+            </a:pPr>
+            <a:endParaRPr lang="pl-PL" sz="2800">
+              <a:hlinkClick r:id="rId2" action="ppaction://hlinkfile"/>
+            </a:endParaRPr>
+          </a:p>
+          <a:p>
+            <a:pPr marL="36900" indent="0" algn="ctr">
+              <a:buNone/>
+            </a:pPr>
+            <a:r>
+              <a:rPr lang="en-US" sz="2800">
+                <a:hlinkClick r:id="rId2" action="ppaction://hlinkfile"/>
+              </a:rPr>
+              <a:t>github</a:t>
+            </a:r>
+            <a:r>
+              <a:rPr lang="en-US" sz="2800" dirty="0">
+                <a:hlinkClick r:id="rId2" action="ppaction://hlinkfile"/>
+              </a:rPr>
+              <a:t>.com/</a:t>
+            </a:r>
+            <a:r>
+              <a:rPr lang="en-US" sz="2800" dirty="0" err="1">
+                <a:hlinkClick r:id="rId2" action="ppaction://hlinkfile"/>
+              </a:rPr>
+              <a:t>stryku</a:t>
+            </a:r>
+            <a:r>
+              <a:rPr lang="en-US" sz="2800" dirty="0">
+                <a:hlinkClick r:id="rId2" action="ppaction://hlinkfile"/>
+              </a:rPr>
+              <a:t>/workshops/tree/master/</a:t>
+            </a:r>
+            <a:r>
+              <a:rPr lang="en-US" sz="2800" dirty="0" err="1">
+                <a:hlinkClick r:id="rId2" action="ppaction://hlinkfile"/>
+              </a:rPr>
+              <a:t>ctai</a:t>
+            </a:r>
+            <a:endParaRPr lang="pl-PL" sz="2800" dirty="0"/>
+          </a:p>
+        </p:txBody>
+      </p:sp>
+      <p:pic>
+        <p:nvPicPr>
+          <p:cNvPr id="7" name="Obraz 6">
+            <a:extLst>
+              <a:ext uri="{FF2B5EF4-FFF2-40B4-BE49-F238E27FC236}">
+                <a16:creationId xmlns:a16="http://schemas.microsoft.com/office/drawing/2014/main" id="{79F136F9-BC4F-4972-9441-BEA12830474B}"/>
+              </a:ext>
+            </a:extLst>
+          </p:cNvPr>
+          <p:cNvPicPr>
+            <a:picLocks noChangeAspect="1"/>
+          </p:cNvPicPr>
+          <p:nvPr/>
+        </p:nvPicPr>
+        <p:blipFill>
+          <a:blip r:embed="rId3"/>
+          <a:stretch>
+            <a:fillRect/>
+          </a:stretch>
+        </p:blipFill>
+        <p:spPr>
+          <a:xfrm>
+            <a:off x="4921871" y="1732449"/>
+            <a:ext cx="2337609" cy="2337609"/>
+          </a:xfrm>
+          <a:prstGeom prst="rect">
+            <a:avLst/>
+          </a:prstGeom>
+        </p:spPr>
+      </p:pic>
     </p:spTree>
     <p:extLst>
       <p:ext uri="{BB962C8B-B14F-4D97-AF65-F5344CB8AC3E}">
-        <p14:creationId xmlns:p14="http://schemas.microsoft.com/office/powerpoint/2010/main" val="3330681429"/>
+        <p14:creationId xmlns:p14="http://schemas.microsoft.com/office/powerpoint/2010/main" val="568904150"/>
       </p:ext>
     </p:extLst>
   </p:cSld>
@@ -7156,15 +7277,15 @@
           <a:p>
             <a:r>
               <a:rPr lang="pl-PL" dirty="0" err="1"/>
-              <a:t>Code</a:t>
+              <a:t>Questions</a:t>
             </a:r>
             <a:r>
               <a:rPr lang="pl-PL" dirty="0"/>
-              <a:t> &amp; </a:t>
+              <a:t>/</a:t>
             </a:r>
             <a:r>
               <a:rPr lang="pl-PL" dirty="0" err="1"/>
-              <a:t>presentation</a:t>
+              <a:t>discussion</a:t>
             </a:r>
             <a:endParaRPr lang="pl-PL" dirty="0"/>
           </a:p>
@@ -7186,57 +7307,21 @@
             <p:ph idx="1"/>
           </p:nvPr>
         </p:nvSpPr>
-        <p:spPr>
-          <a:xfrm>
-            <a:off x="913795" y="1732449"/>
-            <a:ext cx="10353762" cy="4058751"/>
-          </a:xfrm>
-        </p:spPr>
+        <p:spPr/>
         <p:txBody>
           <a:bodyPr>
             <a:normAutofit/>
           </a:bodyPr>
           <a:lstStyle/>
           <a:p>
-            <a:pPr marL="36900" indent="0" algn="ctr">
-              <a:buNone/>
-            </a:pPr>
-            <a:endParaRPr lang="pl-PL" sz="2800" dirty="0">
-              <a:hlinkClick r:id="rId2"/>
-            </a:endParaRPr>
-          </a:p>
-          <a:p>
-            <a:pPr marL="36900" indent="0" algn="ctr">
-              <a:buNone/>
-            </a:pPr>
-            <a:endParaRPr lang="pl-PL" sz="2800" dirty="0">
-              <a:hlinkClick r:id="rId2"/>
-            </a:endParaRPr>
-          </a:p>
-          <a:p>
-            <a:pPr marL="36900" indent="0" algn="ctr">
-              <a:buNone/>
-            </a:pPr>
-            <a:r>
-              <a:rPr lang="pl-PL" sz="2800" dirty="0">
-                <a:hlinkClick r:id="rId2"/>
-              </a:rPr>
-              <a:t>https://</a:t>
-            </a:r>
-            <a:r>
-              <a:rPr lang="pl-PL" sz="2800" dirty="0">
-                <a:hlinkClick r:id="rId2"/>
-              </a:rPr>
-              <a:t>github.com/stryku/workshops/tree/master/ctai_wro_cpp</a:t>
-            </a:r>
-            <a:endParaRPr lang="pl-PL" sz="2800" dirty="0"/>
+            <a:endParaRPr lang="pl-PL" sz="1700" dirty="0"/>
           </a:p>
         </p:txBody>
       </p:sp>
     </p:spTree>
     <p:extLst>
       <p:ext uri="{BB962C8B-B14F-4D97-AF65-F5344CB8AC3E}">
-        <p14:creationId xmlns:p14="http://schemas.microsoft.com/office/powerpoint/2010/main" val="568904150"/>
+        <p14:creationId xmlns:p14="http://schemas.microsoft.com/office/powerpoint/2010/main" val="3330681429"/>
       </p:ext>
     </p:extLst>
   </p:cSld>
@@ -7741,7 +7826,7 @@
         </p:blipFill>
         <p:spPr>
           <a:xfrm>
-            <a:off x="4080901" y="3173398"/>
+            <a:off x="7076147" y="2569660"/>
             <a:ext cx="4019550" cy="2457450"/>
           </a:xfrm>
           <a:prstGeom prst="rect">
@@ -7771,8 +7856,8 @@
         </p:blipFill>
         <p:spPr>
           <a:xfrm>
-            <a:off x="1613416" y="1610310"/>
-            <a:ext cx="1202307" cy="1091325"/>
+            <a:off x="1601693" y="2569660"/>
+            <a:ext cx="2707360" cy="2457450"/>
           </a:xfrm>
           <a:prstGeom prst="rect">
             <a:avLst/>
@@ -7786,6 +7871,45 @@
           </a:effectLst>
         </p:spPr>
       </p:pic>
+      <p:cxnSp>
+        <p:nvCxnSpPr>
+          <p:cNvPr id="5" name="Łącznik prosty ze strzałką 4">
+            <a:extLst>
+              <a:ext uri="{FF2B5EF4-FFF2-40B4-BE49-F238E27FC236}">
+                <a16:creationId xmlns:a16="http://schemas.microsoft.com/office/drawing/2014/main" id="{9A42DF3A-B240-48CE-917E-4B9237DE7DCB}"/>
+              </a:ext>
+            </a:extLst>
+          </p:cNvPr>
+          <p:cNvCxnSpPr/>
+          <p:nvPr/>
+        </p:nvCxnSpPr>
+        <p:spPr>
+          <a:xfrm>
+            <a:off x="4648200" y="3798385"/>
+            <a:ext cx="2124000" cy="0"/>
+          </a:xfrm>
+          <a:prstGeom prst="straightConnector1">
+            <a:avLst/>
+          </a:prstGeom>
+          <a:ln>
+            <a:tailEnd type="triangle"/>
+          </a:ln>
+        </p:spPr>
+        <p:style>
+          <a:lnRef idx="3">
+            <a:schemeClr val="accent1"/>
+          </a:lnRef>
+          <a:fillRef idx="0">
+            <a:schemeClr val="accent1"/>
+          </a:fillRef>
+          <a:effectRef idx="2">
+            <a:schemeClr val="accent1"/>
+          </a:effectRef>
+          <a:fontRef idx="minor">
+            <a:schemeClr val="tx1"/>
+          </a:fontRef>
+        </p:style>
+      </p:cxnSp>
     </p:spTree>
     <p:extLst>
       <p:ext uri="{BB962C8B-B14F-4D97-AF65-F5344CB8AC3E}">
@@ -7871,7 +7995,7 @@
         </p:blipFill>
         <p:spPr>
           <a:xfrm>
-            <a:off x="4357126" y="3163043"/>
+            <a:off x="6836617" y="3163042"/>
             <a:ext cx="3467100" cy="1857375"/>
           </a:xfrm>
           <a:prstGeom prst="rect">
@@ -7938,14 +8062,53 @@
         </p:blipFill>
         <p:spPr>
           <a:xfrm>
-            <a:off x="3771438" y="1580050"/>
-            <a:ext cx="1785035" cy="1091325"/>
+            <a:off x="1545752" y="3163042"/>
+            <a:ext cx="3038031" cy="1857375"/>
           </a:xfrm>
           <a:prstGeom prst="rect">
             <a:avLst/>
           </a:prstGeom>
         </p:spPr>
       </p:pic>
+      <p:cxnSp>
+        <p:nvCxnSpPr>
+          <p:cNvPr id="6" name="Łącznik prosty ze strzałką 5">
+            <a:extLst>
+              <a:ext uri="{FF2B5EF4-FFF2-40B4-BE49-F238E27FC236}">
+                <a16:creationId xmlns:a16="http://schemas.microsoft.com/office/drawing/2014/main" id="{3B18B4F4-251A-43E6-A447-D842F4054092}"/>
+              </a:ext>
+            </a:extLst>
+          </p:cNvPr>
+          <p:cNvCxnSpPr/>
+          <p:nvPr/>
+        </p:nvCxnSpPr>
+        <p:spPr>
+          <a:xfrm>
+            <a:off x="4648200" y="3798385"/>
+            <a:ext cx="2124000" cy="0"/>
+          </a:xfrm>
+          <a:prstGeom prst="straightConnector1">
+            <a:avLst/>
+          </a:prstGeom>
+          <a:ln>
+            <a:tailEnd type="triangle"/>
+          </a:ln>
+        </p:spPr>
+        <p:style>
+          <a:lnRef idx="3">
+            <a:schemeClr val="accent1"/>
+          </a:lnRef>
+          <a:fillRef idx="0">
+            <a:schemeClr val="accent1"/>
+          </a:fillRef>
+          <a:effectRef idx="2">
+            <a:schemeClr val="accent1"/>
+          </a:effectRef>
+          <a:fontRef idx="minor">
+            <a:schemeClr val="tx1"/>
+          </a:fontRef>
+        </p:style>
+      </p:cxnSp>
     </p:spTree>
     <p:extLst>
       <p:ext uri="{BB962C8B-B14F-4D97-AF65-F5344CB8AC3E}">
@@ -8031,7 +8194,7 @@
         </p:blipFill>
         <p:spPr>
           <a:xfrm>
-            <a:off x="5314388" y="2980058"/>
+            <a:off x="7641750" y="3091427"/>
             <a:ext cx="1552575" cy="1971675"/>
           </a:xfrm>
           <a:prstGeom prst="rect">
@@ -8128,14 +8291,53 @@
         </p:blipFill>
         <p:spPr>
           <a:xfrm>
-            <a:off x="6512188" y="1580050"/>
-            <a:ext cx="2037140" cy="1091325"/>
+            <a:off x="1613416" y="3091428"/>
+            <a:ext cx="3680460" cy="1971675"/>
           </a:xfrm>
           <a:prstGeom prst="rect">
             <a:avLst/>
           </a:prstGeom>
         </p:spPr>
       </p:pic>
+      <p:cxnSp>
+        <p:nvCxnSpPr>
+          <p:cNvPr id="7" name="Łącznik prosty ze strzałką 6">
+            <a:extLst>
+              <a:ext uri="{FF2B5EF4-FFF2-40B4-BE49-F238E27FC236}">
+                <a16:creationId xmlns:a16="http://schemas.microsoft.com/office/drawing/2014/main" id="{A004E628-4383-4DF4-8859-A84B019C7E69}"/>
+              </a:ext>
+            </a:extLst>
+          </p:cNvPr>
+          <p:cNvCxnSpPr/>
+          <p:nvPr/>
+        </p:nvCxnSpPr>
+        <p:spPr>
+          <a:xfrm>
+            <a:off x="5405813" y="3933201"/>
+            <a:ext cx="2124000" cy="0"/>
+          </a:xfrm>
+          <a:prstGeom prst="straightConnector1">
+            <a:avLst/>
+          </a:prstGeom>
+          <a:ln>
+            <a:tailEnd type="triangle"/>
+          </a:ln>
+        </p:spPr>
+        <p:style>
+          <a:lnRef idx="3">
+            <a:schemeClr val="accent1"/>
+          </a:lnRef>
+          <a:fillRef idx="0">
+            <a:schemeClr val="accent1"/>
+          </a:fillRef>
+          <a:effectRef idx="2">
+            <a:schemeClr val="accent1"/>
+          </a:effectRef>
+          <a:fontRef idx="minor">
+            <a:schemeClr val="tx1"/>
+          </a:fontRef>
+        </p:style>
+      </p:cxnSp>
     </p:spTree>
     <p:extLst>
       <p:ext uri="{BB962C8B-B14F-4D97-AF65-F5344CB8AC3E}">
